--- a/docs/presentation.pptx
+++ b/docs/presentation.pptx
@@ -13,6 +13,7 @@
     <p:sldId id="261" r:id="rId7"/>
     <p:sldId id="262" r:id="rId8"/>
     <p:sldId id="263" r:id="rId9"/>
+    <p:sldId id="264" r:id="rId10"/>
   </p:sldIdLst>
   <p:sldSz cx="12192000" cy="6858000"/>
   <p:notesSz cx="6858000" cy="9144000"/>
@@ -111,6 +112,11 @@
       </a:defRPr>
     </a:lvl9pPr>
   </p:defaultTextStyle>
+  <p:extLst>
+    <p:ext uri="{EFAFB233-063F-42B5-8137-9DF3F51BA10A}">
+      <p15:sldGuideLst xmlns:p15="http://schemas.microsoft.com/office/powerpoint/2012/main"/>
+    </p:ext>
+  </p:extLst>
 </p:presentation>
 </file>
 
@@ -7231,7 +7237,7 @@
           <a:p>
             <a:fld id="{AE49042B-6591-4073-B9F8-DC8614200340}" type="datetimeFigureOut">
               <a:rPr lang="en-GB" smtClean="0"/>
-              <a:t>26/05/2022</a:t>
+              <a:t>27/05/2022</a:t>
             </a:fld>
             <a:endParaRPr lang="en-GB" dirty="0"/>
           </a:p>
@@ -7401,7 +7407,7 @@
           <a:p>
             <a:fld id="{AE49042B-6591-4073-B9F8-DC8614200340}" type="datetimeFigureOut">
               <a:rPr lang="en-GB" smtClean="0"/>
-              <a:t>26/05/2022</a:t>
+              <a:t>27/05/2022</a:t>
             </a:fld>
             <a:endParaRPr lang="en-GB" dirty="0"/>
           </a:p>
@@ -7581,7 +7587,7 @@
           <a:p>
             <a:fld id="{AE49042B-6591-4073-B9F8-DC8614200340}" type="datetimeFigureOut">
               <a:rPr lang="en-GB" smtClean="0"/>
-              <a:t>26/05/2022</a:t>
+              <a:t>27/05/2022</a:t>
             </a:fld>
             <a:endParaRPr lang="en-GB" dirty="0"/>
           </a:p>
@@ -7751,7 +7757,7 @@
           <a:p>
             <a:fld id="{AE49042B-6591-4073-B9F8-DC8614200340}" type="datetimeFigureOut">
               <a:rPr lang="en-GB" smtClean="0"/>
-              <a:t>26/05/2022</a:t>
+              <a:t>27/05/2022</a:t>
             </a:fld>
             <a:endParaRPr lang="en-GB" dirty="0"/>
           </a:p>
@@ -8019,7 +8025,7 @@
           <a:p>
             <a:fld id="{AE49042B-6591-4073-B9F8-DC8614200340}" type="datetimeFigureOut">
               <a:rPr lang="en-GB" smtClean="0"/>
-              <a:t>26/05/2022</a:t>
+              <a:t>27/05/2022</a:t>
             </a:fld>
             <a:endParaRPr lang="en-GB" dirty="0"/>
           </a:p>
@@ -8251,7 +8257,7 @@
           <a:p>
             <a:fld id="{AE49042B-6591-4073-B9F8-DC8614200340}" type="datetimeFigureOut">
               <a:rPr lang="en-GB" smtClean="0"/>
-              <a:t>26/05/2022</a:t>
+              <a:t>27/05/2022</a:t>
             </a:fld>
             <a:endParaRPr lang="en-GB" dirty="0"/>
           </a:p>
@@ -8610,7 +8616,7 @@
           <a:p>
             <a:fld id="{AE49042B-6591-4073-B9F8-DC8614200340}" type="datetimeFigureOut">
               <a:rPr lang="en-GB" smtClean="0"/>
-              <a:t>26/05/2022</a:t>
+              <a:t>27/05/2022</a:t>
             </a:fld>
             <a:endParaRPr lang="en-GB" dirty="0"/>
           </a:p>
@@ -8751,7 +8757,7 @@
           <a:p>
             <a:fld id="{AE49042B-6591-4073-B9F8-DC8614200340}" type="datetimeFigureOut">
               <a:rPr lang="en-GB" smtClean="0"/>
-              <a:t>26/05/2022</a:t>
+              <a:t>27/05/2022</a:t>
             </a:fld>
             <a:endParaRPr lang="en-GB" dirty="0"/>
           </a:p>
@@ -8846,7 +8852,7 @@
           <a:p>
             <a:fld id="{AE49042B-6591-4073-B9F8-DC8614200340}" type="datetimeFigureOut">
               <a:rPr lang="en-GB" smtClean="0"/>
-              <a:t>26/05/2022</a:t>
+              <a:t>27/05/2022</a:t>
             </a:fld>
             <a:endParaRPr lang="en-GB" dirty="0"/>
           </a:p>
@@ -9203,7 +9209,7 @@
           <a:p>
             <a:fld id="{AE49042B-6591-4073-B9F8-DC8614200340}" type="datetimeFigureOut">
               <a:rPr lang="en-GB" smtClean="0"/>
-              <a:t>26/05/2022</a:t>
+              <a:t>27/05/2022</a:t>
             </a:fld>
             <a:endParaRPr lang="en-GB" dirty="0"/>
           </a:p>
@@ -9559,7 +9565,7 @@
           <a:p>
             <a:fld id="{AE49042B-6591-4073-B9F8-DC8614200340}" type="datetimeFigureOut">
               <a:rPr lang="en-GB" smtClean="0"/>
-              <a:t>26/05/2022</a:t>
+              <a:t>27/05/2022</a:t>
             </a:fld>
             <a:endParaRPr lang="en-GB" dirty="0"/>
           </a:p>
@@ -9801,7 +9807,7 @@
           <a:p>
             <a:fld id="{AE49042B-6591-4073-B9F8-DC8614200340}" type="datetimeFigureOut">
               <a:rPr lang="en-GB" smtClean="0"/>
-              <a:t>26/05/2022</a:t>
+              <a:t>27/05/2022</a:t>
             </a:fld>
             <a:endParaRPr lang="en-GB" dirty="0"/>
           </a:p>
@@ -10915,69 +10921,6 @@
       </p:grpSpPr>
       <p:sp>
         <p:nvSpPr>
-          <p:cNvPr id="16" name="Rectangle 15">
-            <a:extLst>
-              <a:ext uri="{FF2B5EF4-FFF2-40B4-BE49-F238E27FC236}">
-                <a16:creationId xmlns:a16="http://schemas.microsoft.com/office/drawing/2014/main" id="{CF4680D4-DEE2-49EE-AF90-EFEAF50AEC23}"/>
-              </a:ext>
-              <a:ext uri="{C183D7F6-B498-43B3-948B-1728B52AA6E4}">
-                <adec:decorative xmlns:adec="http://schemas.microsoft.com/office/drawing/2017/decorative" val="1"/>
-              </a:ext>
-            </a:extLst>
-          </p:cNvPr>
-          <p:cNvSpPr>
-            <a:spLocks noGrp="1" noRot="1" noChangeAspect="1" noMove="1" noResize="1" noEditPoints="1" noAdjustHandles="1" noChangeArrowheads="1" noChangeShapeType="1" noTextEdit="1"/>
-          </p:cNvSpPr>
-          <p:nvPr>
-            <p:extLst>
-              <p:ext uri="{386F3935-93C4-4BCD-93E2-E3B085C9AB24}">
-                <p16:designElem xmlns:p16="http://schemas.microsoft.com/office/powerpoint/2015/main" val="1"/>
-              </p:ext>
-            </p:extLst>
-          </p:nvPr>
-        </p:nvSpPr>
-        <p:spPr>
-          <a:xfrm>
-            <a:off x="0" y="-2"/>
-            <a:ext cx="6876939" cy="6858002"/>
-          </a:xfrm>
-          <a:prstGeom prst="rect">
-            <a:avLst/>
-          </a:prstGeom>
-          <a:solidFill>
-            <a:schemeClr val="accent2"/>
-          </a:solidFill>
-          <a:ln>
-            <a:noFill/>
-          </a:ln>
-        </p:spPr>
-        <p:style>
-          <a:lnRef idx="2">
-            <a:schemeClr val="accent1">
-              <a:shade val="50000"/>
-            </a:schemeClr>
-          </a:lnRef>
-          <a:fillRef idx="1">
-            <a:schemeClr val="accent1"/>
-          </a:fillRef>
-          <a:effectRef idx="0">
-            <a:schemeClr val="accent1"/>
-          </a:effectRef>
-          <a:fontRef idx="minor">
-            <a:schemeClr val="lt1"/>
-          </a:fontRef>
-        </p:style>
-        <p:txBody>
-          <a:bodyPr rtlCol="0" anchor="ctr"/>
-          <a:lstStyle/>
-          <a:p>
-            <a:pPr algn="ctr"/>
-            <a:endParaRPr lang="en-US" dirty="0"/>
-          </a:p>
-        </p:txBody>
-      </p:sp>
-      <p:sp>
-        <p:nvSpPr>
           <p:cNvPr id="2" name="Title 1">
             <a:extLst>
               <a:ext uri="{FF2B5EF4-FFF2-40B4-BE49-F238E27FC236}">
@@ -10994,17 +10937,9 @@
         </p:nvSpPr>
         <p:spPr>
           <a:xfrm>
-            <a:off x="804671" y="1290025"/>
-            <a:ext cx="5291327" cy="1188720"/>
+            <a:off x="804672" y="964692"/>
+            <a:ext cx="3066937" cy="1188720"/>
           </a:xfrm>
-          <a:solidFill>
-            <a:srgbClr val="FFFFFF"/>
-          </a:solidFill>
-          <a:ln>
-            <a:solidFill>
-              <a:srgbClr val="404040"/>
-            </a:solidFill>
-          </a:ln>
         </p:spPr>
         <p:txBody>
           <a:bodyPr>
@@ -11013,7 +10948,7 @@
           <a:lstStyle/>
           <a:p>
             <a:r>
-              <a:rPr lang="en-GB" dirty="0"/>
+              <a:rPr lang="en-GB" sz="2600"/>
               <a:t>Architecture overview</a:t>
             </a:r>
           </a:p>
@@ -11037,109 +10972,102 @@
         </p:nvSpPr>
         <p:spPr>
           <a:xfrm>
-            <a:off x="733232" y="2858703"/>
-            <a:ext cx="5434204" cy="3042547"/>
+            <a:off x="803244" y="2638044"/>
+            <a:ext cx="3063765" cy="3263206"/>
           </a:xfrm>
         </p:spPr>
         <p:txBody>
           <a:bodyPr>
-            <a:normAutofit/>
+            <a:normAutofit lnSpcReduction="10000"/>
           </a:bodyPr>
           <a:lstStyle/>
           <a:p>
             <a:pPr>
+              <a:lnSpc>
+                <a:spcPct val="90000"/>
+              </a:lnSpc>
               <a:buFontTx/>
               <a:buChar char="-"/>
             </a:pPr>
             <a:r>
-              <a:rPr lang="en-GB" dirty="0">
-                <a:solidFill>
-                  <a:srgbClr val="FFFFFF"/>
-                </a:solidFill>
-              </a:rPr>
+              <a:rPr lang="en-GB" sz="1300"/>
               <a:t>IoT node consisting of ESP32 with sensors attached</a:t>
             </a:r>
           </a:p>
           <a:p>
             <a:pPr lvl="1">
+              <a:lnSpc>
+                <a:spcPct val="90000"/>
+              </a:lnSpc>
               <a:buFontTx/>
               <a:buChar char="-"/>
             </a:pPr>
             <a:r>
-              <a:rPr lang="en-GB" dirty="0">
-                <a:solidFill>
-                  <a:srgbClr val="FFFFFF"/>
-                </a:solidFill>
-              </a:rPr>
+              <a:rPr lang="en-GB" sz="1300"/>
               <a:t>Provisioned with own key pair signed by CA</a:t>
             </a:r>
           </a:p>
           <a:p>
             <a:pPr marL="228600" lvl="1" indent="0">
+              <a:lnSpc>
+                <a:spcPct val="90000"/>
+              </a:lnSpc>
               <a:buNone/>
             </a:pPr>
             <a:r>
-              <a:rPr lang="en-GB" dirty="0">
-                <a:solidFill>
-                  <a:srgbClr val="FFFFFF"/>
-                </a:solidFill>
-              </a:rPr>
+              <a:rPr lang="en-GB" sz="1300"/>
               <a:t>Cloud hosted Spring Boot microservices and MQTT Broker</a:t>
             </a:r>
           </a:p>
           <a:p>
             <a:pPr lvl="1">
+              <a:lnSpc>
+                <a:spcPct val="90000"/>
+              </a:lnSpc>
               <a:buFontTx/>
               <a:buChar char="-"/>
             </a:pPr>
             <a:r>
-              <a:rPr lang="en-GB" dirty="0">
-                <a:solidFill>
-                  <a:srgbClr val="FFFFFF"/>
-                </a:solidFill>
-              </a:rPr>
+              <a:rPr lang="en-GB" sz="1300"/>
               <a:t>Attestation Server over unsecured transport</a:t>
             </a:r>
           </a:p>
           <a:p>
             <a:pPr lvl="1">
+              <a:lnSpc>
+                <a:spcPct val="90000"/>
+              </a:lnSpc>
               <a:buFontTx/>
               <a:buChar char="-"/>
             </a:pPr>
             <a:r>
-              <a:rPr lang="en-GB" dirty="0">
-                <a:solidFill>
-                  <a:srgbClr val="FFFFFF"/>
-                </a:solidFill>
-              </a:rPr>
+              <a:rPr lang="en-GB" sz="1300"/>
               <a:t>Cloud Gateway over secured transport</a:t>
             </a:r>
           </a:p>
           <a:p>
             <a:pPr lvl="1">
+              <a:lnSpc>
+                <a:spcPct val="90000"/>
+              </a:lnSpc>
               <a:buFontTx/>
               <a:buChar char="-"/>
             </a:pPr>
             <a:r>
-              <a:rPr lang="en-GB" dirty="0">
-                <a:solidFill>
-                  <a:srgbClr val="FFFFFF"/>
-                </a:solidFill>
-              </a:rPr>
+              <a:rPr lang="en-GB" sz="1300"/>
               <a:t>MQTT Broker that allows TLS over PSK or certificates</a:t>
             </a:r>
           </a:p>
           <a:p>
             <a:pPr>
+              <a:lnSpc>
+                <a:spcPct val="90000"/>
+              </a:lnSpc>
               <a:buFontTx/>
               <a:buChar char="-"/>
             </a:pPr>
             <a:r>
-              <a:rPr lang="en-GB" dirty="0">
-                <a:solidFill>
-                  <a:srgbClr val="FFFFFF"/>
-                </a:solidFill>
-              </a:rPr>
+              <a:rPr lang="en-GB" sz="1300"/>
               <a:t>Payload size is reduced using CBOR, and standardized according to IPSO Smart Object Guide</a:t>
             </a:r>
           </a:p>
@@ -11147,10 +11075,10 @@
       </p:sp>
       <p:sp>
         <p:nvSpPr>
-          <p:cNvPr id="18" name="Rectangle 17">
+          <p:cNvPr id="29" name="Rectangle 24">
             <a:extLst>
               <a:ext uri="{FF2B5EF4-FFF2-40B4-BE49-F238E27FC236}">
-                <a16:creationId xmlns:a16="http://schemas.microsoft.com/office/drawing/2014/main" id="{50C52EE1-5085-4960-AD29-A926E62ECC9F}"/>
+                <a16:creationId xmlns:a16="http://schemas.microsoft.com/office/drawing/2014/main" id="{6515FC82-3453-4CBE-8895-4CCFF339529E}"/>
               </a:ext>
               <a:ext uri="{C183D7F6-B498-43B3-948B-1728B52AA6E4}">
                 <adec:decorative xmlns:adec="http://schemas.microsoft.com/office/drawing/2017/decorative" val="1"/>
@@ -11170,8 +11098,8 @@
         </p:nvSpPr>
         <p:spPr>
           <a:xfrm>
-            <a:off x="7534656" y="640080"/>
-            <a:ext cx="4017264" cy="5261170"/>
+            <a:off x="4494182" y="964692"/>
+            <a:ext cx="6885432" cy="4936558"/>
           </a:xfrm>
           <a:prstGeom prst="rect">
             <a:avLst/>
@@ -11211,10 +11139,10 @@
       </p:sp>
       <p:sp>
         <p:nvSpPr>
-          <p:cNvPr id="20" name="Rectangle 19">
+          <p:cNvPr id="30" name="Rectangle 26">
             <a:extLst>
               <a:ext uri="{FF2B5EF4-FFF2-40B4-BE49-F238E27FC236}">
-                <a16:creationId xmlns:a16="http://schemas.microsoft.com/office/drawing/2014/main" id="{CD15AA94-C237-4412-B37B-EB317D2B05B7}"/>
+                <a16:creationId xmlns:a16="http://schemas.microsoft.com/office/drawing/2014/main" id="{C5FD847B-65C0-4027-8DFC-70CB424514F8}"/>
               </a:ext>
               <a:ext uri="{C183D7F6-B498-43B3-948B-1728B52AA6E4}">
                 <adec:decorative xmlns:adec="http://schemas.microsoft.com/office/drawing/2017/decorative" val="1"/>
@@ -11234,8 +11162,8 @@
         </p:nvSpPr>
         <p:spPr>
           <a:xfrm>
-            <a:off x="7700772" y="806357"/>
-            <a:ext cx="3685032" cy="4928616"/>
+            <a:off x="4657802" y="1128683"/>
+            <a:ext cx="6558192" cy="4608576"/>
           </a:xfrm>
           <a:prstGeom prst="rect">
             <a:avLst/>
@@ -11268,7 +11196,7 @@
           <a:lstStyle/>
           <a:p>
             <a:pPr algn="ctr"/>
-            <a:endParaRPr lang="en-US" dirty="0"/>
+            <a:endParaRPr lang="en-US"/>
           </a:p>
         </p:txBody>
       </p:sp>
@@ -11294,8 +11222,8 @@
         </p:blipFill>
         <p:spPr>
           <a:xfrm>
-            <a:off x="7865364" y="2163235"/>
-            <a:ext cx="3355848" cy="2214859"/>
+            <a:off x="4823366" y="1378040"/>
+            <a:ext cx="6227064" cy="4109862"/>
           </a:xfrm>
           <a:prstGeom prst="rect">
             <a:avLst/>
@@ -12315,6 +12243,216 @@
     <p:extLst>
       <p:ext uri="{BB962C8B-B14F-4D97-AF65-F5344CB8AC3E}">
         <p14:creationId xmlns:p14="http://schemas.microsoft.com/office/powerpoint/2010/main" val="187836635"/>
+      </p:ext>
+    </p:extLst>
+  </p:cSld>
+  <p:clrMapOvr>
+    <a:masterClrMapping/>
+  </p:clrMapOvr>
+</p:sld>
+</file>
+
+<file path=ppt/slides/slide9.xml><?xml version="1.0" encoding="utf-8"?>
+<p:sld xmlns:a="http://schemas.openxmlformats.org/drawingml/2006/main" xmlns:r="http://schemas.openxmlformats.org/officeDocument/2006/relationships" xmlns:p="http://schemas.openxmlformats.org/presentationml/2006/main">
+  <p:cSld>
+    <p:bg>
+      <p:bgPr>
+        <a:solidFill>
+          <a:schemeClr val="accent2"/>
+        </a:solidFill>
+        <a:effectLst/>
+      </p:bgPr>
+    </p:bg>
+    <p:spTree>
+      <p:nvGrpSpPr>
+        <p:cNvPr id="1" name=""/>
+        <p:cNvGrpSpPr/>
+        <p:nvPr/>
+      </p:nvGrpSpPr>
+      <p:grpSpPr>
+        <a:xfrm>
+          <a:off x="0" y="0"/>
+          <a:ext cx="0" cy="0"/>
+          <a:chOff x="0" y="0"/>
+          <a:chExt cx="0" cy="0"/>
+        </a:xfrm>
+      </p:grpSpPr>
+      <p:sp>
+        <p:nvSpPr>
+          <p:cNvPr id="11" name="Rectangle 6">
+            <a:extLst>
+              <a:ext uri="{FF2B5EF4-FFF2-40B4-BE49-F238E27FC236}">
+                <a16:creationId xmlns:a16="http://schemas.microsoft.com/office/drawing/2014/main" id="{84167985-D6E9-40FF-97C0-4B6D373E85C9}"/>
+              </a:ext>
+              <a:ext uri="{C183D7F6-B498-43B3-948B-1728B52AA6E4}">
+                <adec:decorative xmlns:adec="http://schemas.microsoft.com/office/drawing/2017/decorative" val="1"/>
+              </a:ext>
+            </a:extLst>
+          </p:cNvPr>
+          <p:cNvSpPr>
+            <a:spLocks noGrp="1" noRot="1" noChangeAspect="1" noMove="1" noResize="1" noEditPoints="1" noAdjustHandles="1" noChangeArrowheads="1" noChangeShapeType="1" noTextEdit="1"/>
+          </p:cNvSpPr>
+          <p:nvPr>
+            <p:extLst>
+              <p:ext uri="{386F3935-93C4-4BCD-93E2-E3B085C9AB24}">
+                <p16:designElem xmlns:p16="http://schemas.microsoft.com/office/powerpoint/2015/main" val="1"/>
+              </p:ext>
+            </p:extLst>
+          </p:nvPr>
+        </p:nvSpPr>
+        <p:spPr>
+          <a:xfrm>
+            <a:off x="640068" y="640080"/>
+            <a:ext cx="10911865" cy="4626864"/>
+          </a:xfrm>
+          <a:prstGeom prst="rect">
+            <a:avLst/>
+          </a:prstGeom>
+          <a:noFill/>
+          <a:ln w="31750" cap="sq">
+            <a:solidFill>
+              <a:srgbClr val="FFFFFF"/>
+            </a:solidFill>
+            <a:miter lim="800000"/>
+          </a:ln>
+        </p:spPr>
+        <p:style>
+          <a:lnRef idx="2">
+            <a:schemeClr val="accent1">
+              <a:shade val="50000"/>
+            </a:schemeClr>
+          </a:lnRef>
+          <a:fillRef idx="1">
+            <a:schemeClr val="accent1"/>
+          </a:fillRef>
+          <a:effectRef idx="0">
+            <a:schemeClr val="accent1"/>
+          </a:effectRef>
+          <a:fontRef idx="minor">
+            <a:schemeClr val="lt1"/>
+          </a:fontRef>
+        </p:style>
+        <p:txBody>
+          <a:bodyPr rtlCol="0" anchor="ctr"/>
+          <a:lstStyle/>
+          <a:p>
+            <a:pPr algn="ctr"/>
+            <a:endParaRPr lang="en-US" dirty="0"/>
+          </a:p>
+        </p:txBody>
+      </p:sp>
+      <p:sp>
+        <p:nvSpPr>
+          <p:cNvPr id="12" name="Rectangle 8">
+            <a:extLst>
+              <a:ext uri="{FF2B5EF4-FFF2-40B4-BE49-F238E27FC236}">
+                <a16:creationId xmlns:a16="http://schemas.microsoft.com/office/drawing/2014/main" id="{68801362-349C-44BE-BEF6-8E926E1D38BC}"/>
+              </a:ext>
+              <a:ext uri="{C183D7F6-B498-43B3-948B-1728B52AA6E4}">
+                <adec:decorative xmlns:adec="http://schemas.microsoft.com/office/drawing/2017/decorative" val="1"/>
+              </a:ext>
+            </a:extLst>
+          </p:cNvPr>
+          <p:cNvSpPr>
+            <a:spLocks noGrp="1" noRot="1" noChangeAspect="1" noMove="1" noResize="1" noEditPoints="1" noAdjustHandles="1" noChangeArrowheads="1" noChangeShapeType="1" noTextEdit="1"/>
+          </p:cNvSpPr>
+          <p:nvPr>
+            <p:extLst>
+              <p:ext uri="{386F3935-93C4-4BCD-93E2-E3B085C9AB24}">
+                <p16:designElem xmlns:p16="http://schemas.microsoft.com/office/powerpoint/2015/main" val="1"/>
+              </p:ext>
+            </p:extLst>
+          </p:nvPr>
+        </p:nvSpPr>
+        <p:spPr>
+          <a:xfrm>
+            <a:off x="806196" y="804672"/>
+            <a:ext cx="10579608" cy="4297680"/>
+          </a:xfrm>
+          <a:prstGeom prst="rect">
+            <a:avLst/>
+          </a:prstGeom>
+          <a:solidFill>
+            <a:srgbClr val="FFFFFF"/>
+          </a:solidFill>
+          <a:ln>
+            <a:noFill/>
+          </a:ln>
+        </p:spPr>
+        <p:style>
+          <a:lnRef idx="2">
+            <a:schemeClr val="accent1">
+              <a:shade val="50000"/>
+            </a:schemeClr>
+          </a:lnRef>
+          <a:fillRef idx="1">
+            <a:schemeClr val="accent1"/>
+          </a:fillRef>
+          <a:effectRef idx="0">
+            <a:schemeClr val="accent1"/>
+          </a:effectRef>
+          <a:fontRef idx="minor">
+            <a:schemeClr val="lt1"/>
+          </a:fontRef>
+        </p:style>
+        <p:txBody>
+          <a:bodyPr rtlCol="0" anchor="ctr"/>
+          <a:lstStyle/>
+          <a:p>
+            <a:pPr algn="ctr"/>
+            <a:endParaRPr lang="en-US"/>
+          </a:p>
+        </p:txBody>
+      </p:sp>
+      <p:sp>
+        <p:nvSpPr>
+          <p:cNvPr id="2" name="Title 1">
+            <a:extLst>
+              <a:ext uri="{FF2B5EF4-FFF2-40B4-BE49-F238E27FC236}">
+                <a16:creationId xmlns:a16="http://schemas.microsoft.com/office/drawing/2014/main" id="{C6227869-DD61-EF12-9499-F148CF88E5E8}"/>
+              </a:ext>
+            </a:extLst>
+          </p:cNvPr>
+          <p:cNvSpPr>
+            <a:spLocks noGrp="1"/>
+          </p:cNvSpPr>
+          <p:nvPr>
+            <p:ph type="title"/>
+          </p:nvPr>
+        </p:nvSpPr>
+        <p:spPr>
+          <a:xfrm>
+            <a:off x="1262729" y="1289303"/>
+            <a:ext cx="9638443" cy="3339303"/>
+          </a:xfrm>
+          <a:ln>
+            <a:noFill/>
+          </a:ln>
+        </p:spPr>
+        <p:txBody>
+          <a:bodyPr vert="horz" lIns="274320" tIns="182880" rIns="274320" bIns="182880" rtlCol="0" anchor="ctr" anchorCtr="1">
+            <a:normAutofit/>
+          </a:bodyPr>
+          <a:lstStyle/>
+          <a:p>
+            <a:r>
+              <a:rPr lang="en-US" sz="5000" kern="1200" cap="all" spc="200" baseline="0">
+                <a:solidFill>
+                  <a:srgbClr val="262626"/>
+                </a:solidFill>
+                <a:latin typeface="+mj-lt"/>
+                <a:ea typeface="+mj-ea"/>
+                <a:cs typeface="+mj-cs"/>
+              </a:rPr>
+              <a:t>THANKS</a:t>
+            </a:r>
+          </a:p>
+        </p:txBody>
+      </p:sp>
+    </p:spTree>
+    <p:extLst>
+      <p:ext uri="{BB962C8B-B14F-4D97-AF65-F5344CB8AC3E}">
+        <p14:creationId xmlns:p14="http://schemas.microsoft.com/office/powerpoint/2010/main" val="2502402083"/>
       </p:ext>
     </p:extLst>
   </p:cSld>

--- a/docs/presentation.pptx
+++ b/docs/presentation.pptx
@@ -14,6 +14,7 @@
     <p:sldId id="262" r:id="rId8"/>
     <p:sldId id="263" r:id="rId9"/>
     <p:sldId id="264" r:id="rId10"/>
+    <p:sldId id="265" r:id="rId11"/>
   </p:sldIdLst>
   <p:sldSz cx="12192000" cy="6858000"/>
   <p:notesSz cx="6858000" cy="9144000"/>
@@ -1989,7 +1990,7 @@
             </a:lnSpc>
           </a:pPr>
           <a:r>
-            <a:rPr lang="en-GB" dirty="0"/>
+            <a:rPr lang="en-GB"/>
             <a:t>Purpose of the thesis</a:t>
           </a:r>
           <a:endParaRPr lang="en-US" dirty="0"/>
@@ -2031,7 +2032,7 @@
             </a:lnSpc>
           </a:pPr>
           <a:r>
-            <a:rPr lang="en-GB" dirty="0"/>
+            <a:rPr lang="en-GB"/>
             <a:t>Architecture overview</a:t>
           </a:r>
           <a:endParaRPr lang="en-US" dirty="0"/>
@@ -2073,7 +2074,7 @@
             </a:lnSpc>
           </a:pPr>
           <a:r>
-            <a:rPr lang="en-GB" dirty="0"/>
+            <a:rPr lang="en-GB"/>
             <a:t>Design of the node</a:t>
           </a:r>
           <a:endParaRPr lang="en-US" dirty="0"/>
@@ -2115,7 +2116,7 @@
             </a:lnSpc>
           </a:pPr>
           <a:r>
-            <a:rPr lang="en-GB" dirty="0"/>
+            <a:rPr lang="en-GB"/>
             <a:t>Securing the solution</a:t>
           </a:r>
           <a:endParaRPr lang="en-US" dirty="0"/>
@@ -2157,7 +2158,7 @@
             </a:lnSpc>
           </a:pPr>
           <a:r>
-            <a:rPr lang="en-GB" dirty="0"/>
+            <a:rPr lang="en-GB"/>
             <a:t>Neural Network Used</a:t>
           </a:r>
           <a:endParaRPr lang="en-US" dirty="0"/>
@@ -2199,7 +2200,7 @@
             </a:lnSpc>
           </a:pPr>
           <a:r>
-            <a:rPr lang="en-GB" dirty="0"/>
+            <a:rPr lang="en-GB"/>
             <a:t>Conclusion</a:t>
           </a:r>
           <a:endParaRPr lang="en-US" dirty="0"/>
@@ -2553,54 +2554,54 @@
     </dgm:pt>
   </dgm:ptLst>
   <dgm:cxnLst>
+    <dgm:cxn modelId="{F3BD9D00-F53F-40F0-AC40-47696E5D3556}" type="presOf" srcId="{0CA4BA76-C36B-46DB-8BD0-AFD91397A3C4}" destId="{09DD0172-9BDB-437A-83CB-2CF5344A6F10}" srcOrd="0" destOrd="0" presId="urn:microsoft.com/office/officeart/2018/2/layout/IconVerticalSolidList"/>
     <dgm:cxn modelId="{211F261E-8DBE-465A-AB49-80E330C0EB18}" srcId="{D985A488-E071-4CA4-9255-61CE436C2F01}" destId="{85D4C3E7-4269-41E1-AC8C-0E1A5AE76D03}" srcOrd="0" destOrd="0" parTransId="{DA92ADB7-3584-4D32-8414-1E3432ACC920}" sibTransId="{BBA720B9-AF1D-4CE7-8158-7F6D77933986}"/>
-    <dgm:cxn modelId="{95013A26-C157-4B9C-9CC8-D946B951EBD1}" type="presOf" srcId="{0CA4BA76-C36B-46DB-8BD0-AFD91397A3C4}" destId="{09DD0172-9BDB-437A-83CB-2CF5344A6F10}" srcOrd="0" destOrd="0" presId="urn:microsoft.com/office/officeart/2018/2/layout/IconVerticalSolidList"/>
     <dgm:cxn modelId="{8C01EC36-2394-4F3C-B070-E6DB6CB93DF5}" srcId="{D985A488-E071-4CA4-9255-61CE436C2F01}" destId="{0CA4BA76-C36B-46DB-8BD0-AFD91397A3C4}" srcOrd="3" destOrd="0" parTransId="{5B933274-5F81-480D-9665-3DB322613671}" sibTransId="{DD4DD257-A1C6-44C5-AEDD-6916200E9063}"/>
-    <dgm:cxn modelId="{231E4560-D6A7-4866-96DA-9BFC3E791AAF}" type="presOf" srcId="{85D4C3E7-4269-41E1-AC8C-0E1A5AE76D03}" destId="{F63D0509-7893-4757-B261-6BBC4C9AED56}" srcOrd="0" destOrd="0" presId="urn:microsoft.com/office/officeart/2018/2/layout/IconVerticalSolidList"/>
-    <dgm:cxn modelId="{E8A15D73-B7B5-4622-ACEF-437AB7FE78A7}" type="presOf" srcId="{8715F55B-B4B7-49CF-8A76-B5AE9FB17971}" destId="{5004BC4C-1363-48D1-A512-A3DAB4AE87BE}" srcOrd="0" destOrd="0" presId="urn:microsoft.com/office/officeart/2018/2/layout/IconVerticalSolidList"/>
+    <dgm:cxn modelId="{F79D9E39-3903-454B-8270-6BA0E39F8EDF}" type="presOf" srcId="{C0D08CA9-32DB-4B96-B6BA-9C5C2109D9AA}" destId="{5CF06D0C-8EED-49BE-928A-0FE2038EA185}" srcOrd="0" destOrd="0" presId="urn:microsoft.com/office/officeart/2018/2/layout/IconVerticalSolidList"/>
+    <dgm:cxn modelId="{A073BD72-5E7F-40C6-BA67-CD73264BEE9D}" type="presOf" srcId="{85D4C3E7-4269-41E1-AC8C-0E1A5AE76D03}" destId="{F63D0509-7893-4757-B261-6BBC4C9AED56}" srcOrd="0" destOrd="0" presId="urn:microsoft.com/office/officeart/2018/2/layout/IconVerticalSolidList"/>
+    <dgm:cxn modelId="{25C21153-E416-4742-852E-E9B4A81E4B60}" type="presOf" srcId="{05324E3F-0624-448E-8496-55A8C46F2FAA}" destId="{C247BBCE-42AD-4B42-BE75-1333F530D777}" srcOrd="0" destOrd="0" presId="urn:microsoft.com/office/officeart/2018/2/layout/IconVerticalSolidList"/>
+    <dgm:cxn modelId="{B32F2974-DE7E-4AB6-A660-ED5E08F1258B}" type="presOf" srcId="{E8BBEC6D-E635-4C6D-A15C-195E96D6A099}" destId="{CDAB2017-26B4-4F7C-8EB6-6FB65F6AD5F1}" srcOrd="0" destOrd="0" presId="urn:microsoft.com/office/officeart/2018/2/layout/IconVerticalSolidList"/>
     <dgm:cxn modelId="{91D66786-DB7B-40D8-85B8-CD0545E6FB2C}" srcId="{D985A488-E071-4CA4-9255-61CE436C2F01}" destId="{C0D08CA9-32DB-4B96-B6BA-9C5C2109D9AA}" srcOrd="5" destOrd="0" parTransId="{74D9A382-9C01-44E5-BE21-07CA22F1FBE2}" sibTransId="{62F478D1-71CB-4A97-BCAE-C0733D889E2F}"/>
-    <dgm:cxn modelId="{27EDD688-2AF7-450B-BF35-AB025F3407BF}" type="presOf" srcId="{C0D08CA9-32DB-4B96-B6BA-9C5C2109D9AA}" destId="{5CF06D0C-8EED-49BE-928A-0FE2038EA185}" srcOrd="0" destOrd="0" presId="urn:microsoft.com/office/officeart/2018/2/layout/IconVerticalSolidList"/>
     <dgm:cxn modelId="{8AD0778A-E6B2-4389-B765-036806064378}" srcId="{D985A488-E071-4CA4-9255-61CE436C2F01}" destId="{05324E3F-0624-448E-8496-55A8C46F2FAA}" srcOrd="1" destOrd="0" parTransId="{A46D15B5-C128-4750-BCDC-83A2A6622669}" sibTransId="{FAC14055-AA77-4F6B-BE56-82E9775A95CC}"/>
-    <dgm:cxn modelId="{23F2B9D4-A500-4F90-A2DD-2024956C3C1D}" type="presOf" srcId="{E8BBEC6D-E635-4C6D-A15C-195E96D6A099}" destId="{CDAB2017-26B4-4F7C-8EB6-6FB65F6AD5F1}" srcOrd="0" destOrd="0" presId="urn:microsoft.com/office/officeart/2018/2/layout/IconVerticalSolidList"/>
+    <dgm:cxn modelId="{B028E88D-5880-4485-B109-1470CBF61137}" type="presOf" srcId="{D985A488-E071-4CA4-9255-61CE436C2F01}" destId="{B653EF16-8514-4524-87D0-3B9CFB583CF8}" srcOrd="0" destOrd="0" presId="urn:microsoft.com/office/officeart/2018/2/layout/IconVerticalSolidList"/>
     <dgm:cxn modelId="{54BC2FE3-53A9-4B47-8586-00DBF94562D5}" srcId="{D985A488-E071-4CA4-9255-61CE436C2F01}" destId="{E8BBEC6D-E635-4C6D-A15C-195E96D6A099}" srcOrd="2" destOrd="0" parTransId="{F8B82877-88C1-489D-B591-758B67EA8599}" sibTransId="{F8DAC849-A987-4B54-B842-E6ADCE7BCA37}"/>
-    <dgm:cxn modelId="{301B95E3-9DBA-446D-A536-4B9CF2760D0F}" type="presOf" srcId="{05324E3F-0624-448E-8496-55A8C46F2FAA}" destId="{C247BBCE-42AD-4B42-BE75-1333F530D777}" srcOrd="0" destOrd="0" presId="urn:microsoft.com/office/officeart/2018/2/layout/IconVerticalSolidList"/>
-    <dgm:cxn modelId="{F9EE87E9-9C10-49E1-92E4-3532A08DE519}" type="presOf" srcId="{D985A488-E071-4CA4-9255-61CE436C2F01}" destId="{B653EF16-8514-4524-87D0-3B9CFB583CF8}" srcOrd="0" destOrd="0" presId="urn:microsoft.com/office/officeart/2018/2/layout/IconVerticalSolidList"/>
     <dgm:cxn modelId="{E406B9EE-E471-4B15-A328-1BFE818D7263}" srcId="{D985A488-E071-4CA4-9255-61CE436C2F01}" destId="{8715F55B-B4B7-49CF-8A76-B5AE9FB17971}" srcOrd="4" destOrd="0" parTransId="{CB589779-FC7F-4482-BEB5-45CADA4BF5A3}" sibTransId="{E4A13940-155C-44F1-967A-9AA63071F600}"/>
-    <dgm:cxn modelId="{8A9AAE7F-9C73-4A30-A841-5825E31A398B}" type="presParOf" srcId="{B653EF16-8514-4524-87D0-3B9CFB583CF8}" destId="{BA138CA7-E886-46C3-9C16-1D8B8DF2F6DC}" srcOrd="0" destOrd="0" presId="urn:microsoft.com/office/officeart/2018/2/layout/IconVerticalSolidList"/>
-    <dgm:cxn modelId="{B1B799C6-CB9D-43D8-935F-572549C80998}" type="presParOf" srcId="{BA138CA7-E886-46C3-9C16-1D8B8DF2F6DC}" destId="{4DA6C8D4-C9D1-450A-A12F-B9D8CF91431F}" srcOrd="0" destOrd="0" presId="urn:microsoft.com/office/officeart/2018/2/layout/IconVerticalSolidList"/>
-    <dgm:cxn modelId="{0147CEDB-A87E-436B-8223-A722FD95F73D}" type="presParOf" srcId="{BA138CA7-E886-46C3-9C16-1D8B8DF2F6DC}" destId="{23DB9F61-83D4-486A-86DF-E52973751472}" srcOrd="1" destOrd="0" presId="urn:microsoft.com/office/officeart/2018/2/layout/IconVerticalSolidList"/>
-    <dgm:cxn modelId="{B9D0622B-48C5-4A90-A84C-6BD1FDDA1142}" type="presParOf" srcId="{BA138CA7-E886-46C3-9C16-1D8B8DF2F6DC}" destId="{33B35B77-51CE-4E0F-9FF9-6457408295A9}" srcOrd="2" destOrd="0" presId="urn:microsoft.com/office/officeart/2018/2/layout/IconVerticalSolidList"/>
-    <dgm:cxn modelId="{F2490512-D300-46F0-A118-8B5FF9DD59D1}" type="presParOf" srcId="{BA138CA7-E886-46C3-9C16-1D8B8DF2F6DC}" destId="{F63D0509-7893-4757-B261-6BBC4C9AED56}" srcOrd="3" destOrd="0" presId="urn:microsoft.com/office/officeart/2018/2/layout/IconVerticalSolidList"/>
-    <dgm:cxn modelId="{3E28D6F6-EBBB-4703-BB3B-94CFDF96AD56}" type="presParOf" srcId="{B653EF16-8514-4524-87D0-3B9CFB583CF8}" destId="{3B053072-2D48-421E-8B01-F5E6B081FE3D}" srcOrd="1" destOrd="0" presId="urn:microsoft.com/office/officeart/2018/2/layout/IconVerticalSolidList"/>
-    <dgm:cxn modelId="{B0E8A54C-F636-4A10-A616-794111794E41}" type="presParOf" srcId="{B653EF16-8514-4524-87D0-3B9CFB583CF8}" destId="{9B0771E2-34D6-4916-976C-3DE7EE607AC5}" srcOrd="2" destOrd="0" presId="urn:microsoft.com/office/officeart/2018/2/layout/IconVerticalSolidList"/>
-    <dgm:cxn modelId="{D4E6D616-CD3F-40A6-AB0F-4F405AE16AEF}" type="presParOf" srcId="{9B0771E2-34D6-4916-976C-3DE7EE607AC5}" destId="{55B535E6-40DB-4F28-9974-A0638D654C4D}" srcOrd="0" destOrd="0" presId="urn:microsoft.com/office/officeart/2018/2/layout/IconVerticalSolidList"/>
-    <dgm:cxn modelId="{878A1E90-11C8-4081-9C77-67A9198AE71C}" type="presParOf" srcId="{9B0771E2-34D6-4916-976C-3DE7EE607AC5}" destId="{6A1872F7-2D29-4DDC-9D36-25D74A29FC4A}" srcOrd="1" destOrd="0" presId="urn:microsoft.com/office/officeart/2018/2/layout/IconVerticalSolidList"/>
-    <dgm:cxn modelId="{CEDCE34F-D509-4B8E-9E68-7A2CB822CF06}" type="presParOf" srcId="{9B0771E2-34D6-4916-976C-3DE7EE607AC5}" destId="{E5B686F9-A0CD-4367-9266-2D054CB8E817}" srcOrd="2" destOrd="0" presId="urn:microsoft.com/office/officeart/2018/2/layout/IconVerticalSolidList"/>
-    <dgm:cxn modelId="{50309581-09B6-4118-B014-73C8C88B8EE4}" type="presParOf" srcId="{9B0771E2-34D6-4916-976C-3DE7EE607AC5}" destId="{C247BBCE-42AD-4B42-BE75-1333F530D777}" srcOrd="3" destOrd="0" presId="urn:microsoft.com/office/officeart/2018/2/layout/IconVerticalSolidList"/>
-    <dgm:cxn modelId="{0B4E2A53-05AB-4389-AC76-E14DA1BBA31E}" type="presParOf" srcId="{B653EF16-8514-4524-87D0-3B9CFB583CF8}" destId="{E54913EB-3541-4507-A74D-1792604B145B}" srcOrd="3" destOrd="0" presId="urn:microsoft.com/office/officeart/2018/2/layout/IconVerticalSolidList"/>
-    <dgm:cxn modelId="{555203A4-96BD-42B0-B678-7E7B95CA8404}" type="presParOf" srcId="{B653EF16-8514-4524-87D0-3B9CFB583CF8}" destId="{480101E6-38F8-429B-BE75-11C610162C4D}" srcOrd="4" destOrd="0" presId="urn:microsoft.com/office/officeart/2018/2/layout/IconVerticalSolidList"/>
-    <dgm:cxn modelId="{E37AC49E-5972-45F8-9117-C2C0A8181BBE}" type="presParOf" srcId="{480101E6-38F8-429B-BE75-11C610162C4D}" destId="{AF9AECF7-802F-47D7-AC34-C23EF2A871E6}" srcOrd="0" destOrd="0" presId="urn:microsoft.com/office/officeart/2018/2/layout/IconVerticalSolidList"/>
-    <dgm:cxn modelId="{1CA8D999-9BC2-45D2-86A0-6F04157C6C84}" type="presParOf" srcId="{480101E6-38F8-429B-BE75-11C610162C4D}" destId="{5FDC7EE3-CDE9-4DD1-8FB9-2276FE028D5C}" srcOrd="1" destOrd="0" presId="urn:microsoft.com/office/officeart/2018/2/layout/IconVerticalSolidList"/>
-    <dgm:cxn modelId="{FBA0B6D8-5089-4B41-870D-4AAAAD1A885C}" type="presParOf" srcId="{480101E6-38F8-429B-BE75-11C610162C4D}" destId="{3A187C7A-DF3A-4B7D-AA4E-0F03433D17FC}" srcOrd="2" destOrd="0" presId="urn:microsoft.com/office/officeart/2018/2/layout/IconVerticalSolidList"/>
-    <dgm:cxn modelId="{6DE60AF3-4BCC-40FF-89E1-4A324F2B2FDA}" type="presParOf" srcId="{480101E6-38F8-429B-BE75-11C610162C4D}" destId="{CDAB2017-26B4-4F7C-8EB6-6FB65F6AD5F1}" srcOrd="3" destOrd="0" presId="urn:microsoft.com/office/officeart/2018/2/layout/IconVerticalSolidList"/>
-    <dgm:cxn modelId="{265F7E16-555E-47B9-8E39-CA73838E48E4}" type="presParOf" srcId="{B653EF16-8514-4524-87D0-3B9CFB583CF8}" destId="{9A5AE562-2256-4A18-A004-3C96D7575291}" srcOrd="5" destOrd="0" presId="urn:microsoft.com/office/officeart/2018/2/layout/IconVerticalSolidList"/>
-    <dgm:cxn modelId="{B2159425-1CA6-4C0D-9D57-E2FFE597C943}" type="presParOf" srcId="{B653EF16-8514-4524-87D0-3B9CFB583CF8}" destId="{2A7BAAE3-DF50-4798-9786-2700AAC6128D}" srcOrd="6" destOrd="0" presId="urn:microsoft.com/office/officeart/2018/2/layout/IconVerticalSolidList"/>
-    <dgm:cxn modelId="{F50F7E35-8F81-41FD-B6EC-3514093C9E4E}" type="presParOf" srcId="{2A7BAAE3-DF50-4798-9786-2700AAC6128D}" destId="{6ED15CEB-B715-4E99-98D8-5F59CC02E95B}" srcOrd="0" destOrd="0" presId="urn:microsoft.com/office/officeart/2018/2/layout/IconVerticalSolidList"/>
-    <dgm:cxn modelId="{15B65528-41B9-4BAF-B7D7-F8FC85E02A3B}" type="presParOf" srcId="{2A7BAAE3-DF50-4798-9786-2700AAC6128D}" destId="{9A3F7020-9B89-4EAA-8856-A4D1F2FBCEBC}" srcOrd="1" destOrd="0" presId="urn:microsoft.com/office/officeart/2018/2/layout/IconVerticalSolidList"/>
-    <dgm:cxn modelId="{8B365410-510C-4D07-954F-63B4C689C60F}" type="presParOf" srcId="{2A7BAAE3-DF50-4798-9786-2700AAC6128D}" destId="{BFE645E1-C1F6-46B9-BE6B-359518306DCF}" srcOrd="2" destOrd="0" presId="urn:microsoft.com/office/officeart/2018/2/layout/IconVerticalSolidList"/>
-    <dgm:cxn modelId="{2DCE66DF-F8FC-44E4-8321-AC891BAE3CED}" type="presParOf" srcId="{2A7BAAE3-DF50-4798-9786-2700AAC6128D}" destId="{09DD0172-9BDB-437A-83CB-2CF5344A6F10}" srcOrd="3" destOrd="0" presId="urn:microsoft.com/office/officeart/2018/2/layout/IconVerticalSolidList"/>
-    <dgm:cxn modelId="{ACBC3712-80AB-4708-B9A3-B68B5AFD5013}" type="presParOf" srcId="{B653EF16-8514-4524-87D0-3B9CFB583CF8}" destId="{F3D9059B-CD92-405C-A41B-D57D5752D5B7}" srcOrd="7" destOrd="0" presId="urn:microsoft.com/office/officeart/2018/2/layout/IconVerticalSolidList"/>
-    <dgm:cxn modelId="{36B79804-71B8-43C8-BFA8-2DBF91B66DD8}" type="presParOf" srcId="{B653EF16-8514-4524-87D0-3B9CFB583CF8}" destId="{B7772C0F-73EA-42D7-9165-7AF55F3696B8}" srcOrd="8" destOrd="0" presId="urn:microsoft.com/office/officeart/2018/2/layout/IconVerticalSolidList"/>
-    <dgm:cxn modelId="{57AA0CF9-5814-4F60-91D7-56858E507A89}" type="presParOf" srcId="{B7772C0F-73EA-42D7-9165-7AF55F3696B8}" destId="{8D3B98D1-B217-41A5-8212-18F945BD9158}" srcOrd="0" destOrd="0" presId="urn:microsoft.com/office/officeart/2018/2/layout/IconVerticalSolidList"/>
-    <dgm:cxn modelId="{0C7955CB-6691-42B9-A510-9A37461B13BF}" type="presParOf" srcId="{B7772C0F-73EA-42D7-9165-7AF55F3696B8}" destId="{D9994FEC-54C2-43EE-B720-AC31CE2FA86A}" srcOrd="1" destOrd="0" presId="urn:microsoft.com/office/officeart/2018/2/layout/IconVerticalSolidList"/>
-    <dgm:cxn modelId="{F2E5CD5B-FA51-49AB-B5FB-A1623A8EE7E2}" type="presParOf" srcId="{B7772C0F-73EA-42D7-9165-7AF55F3696B8}" destId="{518E6830-D675-48EA-8A1E-730157A2562C}" srcOrd="2" destOrd="0" presId="urn:microsoft.com/office/officeart/2018/2/layout/IconVerticalSolidList"/>
-    <dgm:cxn modelId="{8187BF2E-3788-4C1D-A1C5-DF83F20AA553}" type="presParOf" srcId="{B7772C0F-73EA-42D7-9165-7AF55F3696B8}" destId="{5004BC4C-1363-48D1-A512-A3DAB4AE87BE}" srcOrd="3" destOrd="0" presId="urn:microsoft.com/office/officeart/2018/2/layout/IconVerticalSolidList"/>
-    <dgm:cxn modelId="{E6B10B06-1C8B-4331-BC41-594AE7B5C7CE}" type="presParOf" srcId="{B653EF16-8514-4524-87D0-3B9CFB583CF8}" destId="{E1715D98-0A22-4A6E-8EFC-58B9367D8FBE}" srcOrd="9" destOrd="0" presId="urn:microsoft.com/office/officeart/2018/2/layout/IconVerticalSolidList"/>
-    <dgm:cxn modelId="{08B3BE88-F710-4D42-AA3D-05ADAA8A60CC}" type="presParOf" srcId="{B653EF16-8514-4524-87D0-3B9CFB583CF8}" destId="{1CFBBE07-4C9B-4F9B-B2C5-9A383810BDA8}" srcOrd="10" destOrd="0" presId="urn:microsoft.com/office/officeart/2018/2/layout/IconVerticalSolidList"/>
-    <dgm:cxn modelId="{FB261695-95C9-4691-99A6-01045F9148DA}" type="presParOf" srcId="{1CFBBE07-4C9B-4F9B-B2C5-9A383810BDA8}" destId="{0A723435-5595-4E7D-B4C2-7D620B00D97A}" srcOrd="0" destOrd="0" presId="urn:microsoft.com/office/officeart/2018/2/layout/IconVerticalSolidList"/>
-    <dgm:cxn modelId="{187258C9-F44F-497A-BD5D-D2C7A3A9A183}" type="presParOf" srcId="{1CFBBE07-4C9B-4F9B-B2C5-9A383810BDA8}" destId="{E1C480C3-562C-49CA-8630-78740429A6EF}" srcOrd="1" destOrd="0" presId="urn:microsoft.com/office/officeart/2018/2/layout/IconVerticalSolidList"/>
-    <dgm:cxn modelId="{658C2D8B-52BC-4B88-AD81-CB996F71BA02}" type="presParOf" srcId="{1CFBBE07-4C9B-4F9B-B2C5-9A383810BDA8}" destId="{FCA82C28-1C46-4522-A609-AF965D849700}" srcOrd="2" destOrd="0" presId="urn:microsoft.com/office/officeart/2018/2/layout/IconVerticalSolidList"/>
-    <dgm:cxn modelId="{F9FF2AE8-C4C0-45FE-80E1-9963697B5329}" type="presParOf" srcId="{1CFBBE07-4C9B-4F9B-B2C5-9A383810BDA8}" destId="{5CF06D0C-8EED-49BE-928A-0FE2038EA185}" srcOrd="3" destOrd="0" presId="urn:microsoft.com/office/officeart/2018/2/layout/IconVerticalSolidList"/>
+    <dgm:cxn modelId="{501D9AFE-0F32-4162-8826-2AABD1E1B966}" type="presOf" srcId="{8715F55B-B4B7-49CF-8A76-B5AE9FB17971}" destId="{5004BC4C-1363-48D1-A512-A3DAB4AE87BE}" srcOrd="0" destOrd="0" presId="urn:microsoft.com/office/officeart/2018/2/layout/IconVerticalSolidList"/>
+    <dgm:cxn modelId="{FA47C647-DECB-491E-A32A-B5CB7493D901}" type="presParOf" srcId="{B653EF16-8514-4524-87D0-3B9CFB583CF8}" destId="{BA138CA7-E886-46C3-9C16-1D8B8DF2F6DC}" srcOrd="0" destOrd="0" presId="urn:microsoft.com/office/officeart/2018/2/layout/IconVerticalSolidList"/>
+    <dgm:cxn modelId="{2A5A6ABE-004C-40E8-8835-E1743FC86124}" type="presParOf" srcId="{BA138CA7-E886-46C3-9C16-1D8B8DF2F6DC}" destId="{4DA6C8D4-C9D1-450A-A12F-B9D8CF91431F}" srcOrd="0" destOrd="0" presId="urn:microsoft.com/office/officeart/2018/2/layout/IconVerticalSolidList"/>
+    <dgm:cxn modelId="{B615B95D-7258-4A94-A8F7-90238704DBC7}" type="presParOf" srcId="{BA138CA7-E886-46C3-9C16-1D8B8DF2F6DC}" destId="{23DB9F61-83D4-486A-86DF-E52973751472}" srcOrd="1" destOrd="0" presId="urn:microsoft.com/office/officeart/2018/2/layout/IconVerticalSolidList"/>
+    <dgm:cxn modelId="{EC2E4354-EF7D-4311-A7F3-CA76E4540FDD}" type="presParOf" srcId="{BA138CA7-E886-46C3-9C16-1D8B8DF2F6DC}" destId="{33B35B77-51CE-4E0F-9FF9-6457408295A9}" srcOrd="2" destOrd="0" presId="urn:microsoft.com/office/officeart/2018/2/layout/IconVerticalSolidList"/>
+    <dgm:cxn modelId="{DBEB25D7-2403-4DED-A62F-A8B4468B9336}" type="presParOf" srcId="{BA138CA7-E886-46C3-9C16-1D8B8DF2F6DC}" destId="{F63D0509-7893-4757-B261-6BBC4C9AED56}" srcOrd="3" destOrd="0" presId="urn:microsoft.com/office/officeart/2018/2/layout/IconVerticalSolidList"/>
+    <dgm:cxn modelId="{B959C5E9-59CA-42A1-AB7F-EE1FBBB5454B}" type="presParOf" srcId="{B653EF16-8514-4524-87D0-3B9CFB583CF8}" destId="{3B053072-2D48-421E-8B01-F5E6B081FE3D}" srcOrd="1" destOrd="0" presId="urn:microsoft.com/office/officeart/2018/2/layout/IconVerticalSolidList"/>
+    <dgm:cxn modelId="{0B9FB3CF-882F-4C19-8121-3AB3DFD9B895}" type="presParOf" srcId="{B653EF16-8514-4524-87D0-3B9CFB583CF8}" destId="{9B0771E2-34D6-4916-976C-3DE7EE607AC5}" srcOrd="2" destOrd="0" presId="urn:microsoft.com/office/officeart/2018/2/layout/IconVerticalSolidList"/>
+    <dgm:cxn modelId="{C6A273C2-225D-42B3-8278-276F7C629E44}" type="presParOf" srcId="{9B0771E2-34D6-4916-976C-3DE7EE607AC5}" destId="{55B535E6-40DB-4F28-9974-A0638D654C4D}" srcOrd="0" destOrd="0" presId="urn:microsoft.com/office/officeart/2018/2/layout/IconVerticalSolidList"/>
+    <dgm:cxn modelId="{5F064DC8-A766-4478-8E12-B8A4B90696C2}" type="presParOf" srcId="{9B0771E2-34D6-4916-976C-3DE7EE607AC5}" destId="{6A1872F7-2D29-4DDC-9D36-25D74A29FC4A}" srcOrd="1" destOrd="0" presId="urn:microsoft.com/office/officeart/2018/2/layout/IconVerticalSolidList"/>
+    <dgm:cxn modelId="{845EFB0C-8C6C-4CB2-AD63-C5BFC1B8F263}" type="presParOf" srcId="{9B0771E2-34D6-4916-976C-3DE7EE607AC5}" destId="{E5B686F9-A0CD-4367-9266-2D054CB8E817}" srcOrd="2" destOrd="0" presId="urn:microsoft.com/office/officeart/2018/2/layout/IconVerticalSolidList"/>
+    <dgm:cxn modelId="{B53F9726-D2AA-46BB-A0B7-B33C4F3D2ED4}" type="presParOf" srcId="{9B0771E2-34D6-4916-976C-3DE7EE607AC5}" destId="{C247BBCE-42AD-4B42-BE75-1333F530D777}" srcOrd="3" destOrd="0" presId="urn:microsoft.com/office/officeart/2018/2/layout/IconVerticalSolidList"/>
+    <dgm:cxn modelId="{35EE1810-4C23-4266-B17B-C65A654AEE11}" type="presParOf" srcId="{B653EF16-8514-4524-87D0-3B9CFB583CF8}" destId="{E54913EB-3541-4507-A74D-1792604B145B}" srcOrd="3" destOrd="0" presId="urn:microsoft.com/office/officeart/2018/2/layout/IconVerticalSolidList"/>
+    <dgm:cxn modelId="{58CAA72A-139A-46E4-AA70-6A05CAFCCF77}" type="presParOf" srcId="{B653EF16-8514-4524-87D0-3B9CFB583CF8}" destId="{480101E6-38F8-429B-BE75-11C610162C4D}" srcOrd="4" destOrd="0" presId="urn:microsoft.com/office/officeart/2018/2/layout/IconVerticalSolidList"/>
+    <dgm:cxn modelId="{213C81A8-A15F-4BAA-AEDA-8286C06ABC11}" type="presParOf" srcId="{480101E6-38F8-429B-BE75-11C610162C4D}" destId="{AF9AECF7-802F-47D7-AC34-C23EF2A871E6}" srcOrd="0" destOrd="0" presId="urn:microsoft.com/office/officeart/2018/2/layout/IconVerticalSolidList"/>
+    <dgm:cxn modelId="{81991130-E7E3-4B33-AFA5-F329C1E93F30}" type="presParOf" srcId="{480101E6-38F8-429B-BE75-11C610162C4D}" destId="{5FDC7EE3-CDE9-4DD1-8FB9-2276FE028D5C}" srcOrd="1" destOrd="0" presId="urn:microsoft.com/office/officeart/2018/2/layout/IconVerticalSolidList"/>
+    <dgm:cxn modelId="{514982C9-6C16-449E-BD12-BAEAC9E5F60C}" type="presParOf" srcId="{480101E6-38F8-429B-BE75-11C610162C4D}" destId="{3A187C7A-DF3A-4B7D-AA4E-0F03433D17FC}" srcOrd="2" destOrd="0" presId="urn:microsoft.com/office/officeart/2018/2/layout/IconVerticalSolidList"/>
+    <dgm:cxn modelId="{90E9E547-69E1-4F5C-96A1-C29C5B8D5AD8}" type="presParOf" srcId="{480101E6-38F8-429B-BE75-11C610162C4D}" destId="{CDAB2017-26B4-4F7C-8EB6-6FB65F6AD5F1}" srcOrd="3" destOrd="0" presId="urn:microsoft.com/office/officeart/2018/2/layout/IconVerticalSolidList"/>
+    <dgm:cxn modelId="{A40E012B-5001-4DCC-800D-7B196391F024}" type="presParOf" srcId="{B653EF16-8514-4524-87D0-3B9CFB583CF8}" destId="{9A5AE562-2256-4A18-A004-3C96D7575291}" srcOrd="5" destOrd="0" presId="urn:microsoft.com/office/officeart/2018/2/layout/IconVerticalSolidList"/>
+    <dgm:cxn modelId="{874891C0-4A51-4301-8C67-09F8D155C7D3}" type="presParOf" srcId="{B653EF16-8514-4524-87D0-3B9CFB583CF8}" destId="{2A7BAAE3-DF50-4798-9786-2700AAC6128D}" srcOrd="6" destOrd="0" presId="urn:microsoft.com/office/officeart/2018/2/layout/IconVerticalSolidList"/>
+    <dgm:cxn modelId="{8C115920-6F88-4C59-99D0-77A3A762D10A}" type="presParOf" srcId="{2A7BAAE3-DF50-4798-9786-2700AAC6128D}" destId="{6ED15CEB-B715-4E99-98D8-5F59CC02E95B}" srcOrd="0" destOrd="0" presId="urn:microsoft.com/office/officeart/2018/2/layout/IconVerticalSolidList"/>
+    <dgm:cxn modelId="{8FA50D8C-1945-44B1-A9DD-5390D98276AC}" type="presParOf" srcId="{2A7BAAE3-DF50-4798-9786-2700AAC6128D}" destId="{9A3F7020-9B89-4EAA-8856-A4D1F2FBCEBC}" srcOrd="1" destOrd="0" presId="urn:microsoft.com/office/officeart/2018/2/layout/IconVerticalSolidList"/>
+    <dgm:cxn modelId="{1E27224B-E982-4774-8658-81306154CBD4}" type="presParOf" srcId="{2A7BAAE3-DF50-4798-9786-2700AAC6128D}" destId="{BFE645E1-C1F6-46B9-BE6B-359518306DCF}" srcOrd="2" destOrd="0" presId="urn:microsoft.com/office/officeart/2018/2/layout/IconVerticalSolidList"/>
+    <dgm:cxn modelId="{0537498F-4C03-4A7F-B6FE-FBC81357CE05}" type="presParOf" srcId="{2A7BAAE3-DF50-4798-9786-2700AAC6128D}" destId="{09DD0172-9BDB-437A-83CB-2CF5344A6F10}" srcOrd="3" destOrd="0" presId="urn:microsoft.com/office/officeart/2018/2/layout/IconVerticalSolidList"/>
+    <dgm:cxn modelId="{0F3F737D-F016-4C4D-A420-E58C84A390B7}" type="presParOf" srcId="{B653EF16-8514-4524-87D0-3B9CFB583CF8}" destId="{F3D9059B-CD92-405C-A41B-D57D5752D5B7}" srcOrd="7" destOrd="0" presId="urn:microsoft.com/office/officeart/2018/2/layout/IconVerticalSolidList"/>
+    <dgm:cxn modelId="{77B99366-1C11-4AE2-94A6-4E83CF541D9E}" type="presParOf" srcId="{B653EF16-8514-4524-87D0-3B9CFB583CF8}" destId="{B7772C0F-73EA-42D7-9165-7AF55F3696B8}" srcOrd="8" destOrd="0" presId="urn:microsoft.com/office/officeart/2018/2/layout/IconVerticalSolidList"/>
+    <dgm:cxn modelId="{12D7ADA4-2F55-4A42-B66A-B8D7BA1FF866}" type="presParOf" srcId="{B7772C0F-73EA-42D7-9165-7AF55F3696B8}" destId="{8D3B98D1-B217-41A5-8212-18F945BD9158}" srcOrd="0" destOrd="0" presId="urn:microsoft.com/office/officeart/2018/2/layout/IconVerticalSolidList"/>
+    <dgm:cxn modelId="{6AE1EC8D-E4D4-44B5-8589-EC3D33305F8A}" type="presParOf" srcId="{B7772C0F-73EA-42D7-9165-7AF55F3696B8}" destId="{D9994FEC-54C2-43EE-B720-AC31CE2FA86A}" srcOrd="1" destOrd="0" presId="urn:microsoft.com/office/officeart/2018/2/layout/IconVerticalSolidList"/>
+    <dgm:cxn modelId="{97DE4906-FC99-43BD-8867-7D255315F7F1}" type="presParOf" srcId="{B7772C0F-73EA-42D7-9165-7AF55F3696B8}" destId="{518E6830-D675-48EA-8A1E-730157A2562C}" srcOrd="2" destOrd="0" presId="urn:microsoft.com/office/officeart/2018/2/layout/IconVerticalSolidList"/>
+    <dgm:cxn modelId="{BF2B9052-969D-4D4C-9C3C-F7B9F8D778AB}" type="presParOf" srcId="{B7772C0F-73EA-42D7-9165-7AF55F3696B8}" destId="{5004BC4C-1363-48D1-A512-A3DAB4AE87BE}" srcOrd="3" destOrd="0" presId="urn:microsoft.com/office/officeart/2018/2/layout/IconVerticalSolidList"/>
+    <dgm:cxn modelId="{2A810059-229E-489E-B916-6D8185AD032D}" type="presParOf" srcId="{B653EF16-8514-4524-87D0-3B9CFB583CF8}" destId="{E1715D98-0A22-4A6E-8EFC-58B9367D8FBE}" srcOrd="9" destOrd="0" presId="urn:microsoft.com/office/officeart/2018/2/layout/IconVerticalSolidList"/>
+    <dgm:cxn modelId="{04DC61DD-25A9-4302-AC49-286300C6B1CC}" type="presParOf" srcId="{B653EF16-8514-4524-87D0-3B9CFB583CF8}" destId="{1CFBBE07-4C9B-4F9B-B2C5-9A383810BDA8}" srcOrd="10" destOrd="0" presId="urn:microsoft.com/office/officeart/2018/2/layout/IconVerticalSolidList"/>
+    <dgm:cxn modelId="{887B08DB-3CA8-4A82-840F-91D3A5D01AF4}" type="presParOf" srcId="{1CFBBE07-4C9B-4F9B-B2C5-9A383810BDA8}" destId="{0A723435-5595-4E7D-B4C2-7D620B00D97A}" srcOrd="0" destOrd="0" presId="urn:microsoft.com/office/officeart/2018/2/layout/IconVerticalSolidList"/>
+    <dgm:cxn modelId="{82F11066-0CA2-4659-BBC2-BF4B539A0F01}" type="presParOf" srcId="{1CFBBE07-4C9B-4F9B-B2C5-9A383810BDA8}" destId="{E1C480C3-562C-49CA-8630-78740429A6EF}" srcOrd="1" destOrd="0" presId="urn:microsoft.com/office/officeart/2018/2/layout/IconVerticalSolidList"/>
+    <dgm:cxn modelId="{095AB752-E622-435F-A61D-20DADF1E2B7F}" type="presParOf" srcId="{1CFBBE07-4C9B-4F9B-B2C5-9A383810BDA8}" destId="{FCA82C28-1C46-4522-A609-AF965D849700}" srcOrd="2" destOrd="0" presId="urn:microsoft.com/office/officeart/2018/2/layout/IconVerticalSolidList"/>
+    <dgm:cxn modelId="{C2CA3322-4CD9-4525-9487-067396F3E00B}" type="presParOf" srcId="{1CFBBE07-4C9B-4F9B-B2C5-9A383810BDA8}" destId="{5CF06D0C-8EED-49BE-928A-0FE2038EA185}" srcOrd="3" destOrd="0" presId="urn:microsoft.com/office/officeart/2018/2/layout/IconVerticalSolidList"/>
   </dgm:cxnLst>
   <dgm:bg/>
   <dgm:whole/>
@@ -2634,6 +2635,9 @@
         <a:lstStyle/>
         <a:p>
           <a:pPr>
+            <a:lnSpc>
+              <a:spcPct val="100000"/>
+            </a:lnSpc>
             <a:defRPr b="1"/>
           </a:pPr>
           <a:r>
@@ -2673,11 +2677,15 @@
         <a:bodyPr/>
         <a:lstStyle/>
         <a:p>
+          <a:pPr>
+            <a:lnSpc>
+              <a:spcPct val="100000"/>
+            </a:lnSpc>
+          </a:pPr>
           <a:r>
-            <a:rPr lang="en-GB"/>
+            <a:rPr lang="en-GB" dirty="0"/>
             <a:t>Device is provisioned with key pair signed by CA</a:t>
           </a:r>
-          <a:endParaRPr lang="en-US"/>
         </a:p>
       </dgm:t>
     </dgm:pt>
@@ -2710,11 +2718,16 @@
         <a:bodyPr/>
         <a:lstStyle/>
         <a:p>
+          <a:pPr>
+            <a:lnSpc>
+              <a:spcPct val="100000"/>
+            </a:lnSpc>
+          </a:pPr>
           <a:r>
-            <a:rPr lang="en-GB"/>
+            <a:rPr lang="en-GB" dirty="0"/>
             <a:t>Elliptic Curve Ephemeral Diffie Hellman is used for generating  a session key to be used in TLS-PSK</a:t>
           </a:r>
-          <a:endParaRPr lang="en-US"/>
+          <a:endParaRPr lang="en-US" dirty="0"/>
         </a:p>
       </dgm:t>
     </dgm:pt>
@@ -2747,11 +2760,16 @@
         <a:bodyPr/>
         <a:lstStyle/>
         <a:p>
+          <a:pPr>
+            <a:lnSpc>
+              <a:spcPct val="100000"/>
+            </a:lnSpc>
+          </a:pPr>
           <a:r>
-            <a:rPr lang="en-GB"/>
+            <a:rPr lang="en-GB" dirty="0"/>
             <a:t>The device identifier is sent encrypted with the session key as a last step of the attestation</a:t>
           </a:r>
-          <a:endParaRPr lang="en-US"/>
+          <a:endParaRPr lang="en-US" dirty="0"/>
         </a:p>
       </dgm:t>
     </dgm:pt>
@@ -2785,6 +2803,9 @@
         <a:lstStyle/>
         <a:p>
           <a:pPr>
+            <a:lnSpc>
+              <a:spcPct val="100000"/>
+            </a:lnSpc>
             <a:defRPr b="1"/>
           </a:pPr>
           <a:r>
@@ -2825,6 +2846,9 @@
         <a:lstStyle/>
         <a:p>
           <a:pPr>
+            <a:lnSpc>
+              <a:spcPct val="100000"/>
+            </a:lnSpc>
             <a:defRPr b="1"/>
           </a:pPr>
           <a:r>
@@ -2854,6 +2878,48 @@
         <a:lstStyle/>
         <a:p>
           <a:endParaRPr lang="en-US"/>
+        </a:p>
+      </dgm:t>
+    </dgm:pt>
+    <dgm:pt modelId="{45397456-13E1-4A1E-AAC2-694AF40C90DF}">
+      <dgm:prSet/>
+      <dgm:spPr/>
+      <dgm:t>
+        <a:bodyPr/>
+        <a:lstStyle/>
+        <a:p>
+          <a:pPr>
+            <a:lnSpc>
+              <a:spcPct val="100000"/>
+            </a:lnSpc>
+          </a:pPr>
+          <a:r>
+            <a:rPr lang="en-GB" dirty="0"/>
+            <a:t>Mutual verification is performed at attestation time</a:t>
+          </a:r>
+          <a:endParaRPr lang="en-US" dirty="0"/>
+        </a:p>
+      </dgm:t>
+    </dgm:pt>
+    <dgm:pt modelId="{37C3B847-2A8E-473A-879B-FCE3B8BEEAF9}" type="parTrans" cxnId="{5D54E3A6-5669-472A-A6FD-95935160314D}">
+      <dgm:prSet/>
+      <dgm:spPr/>
+      <dgm:t>
+        <a:bodyPr/>
+        <a:lstStyle/>
+        <a:p>
+          <a:endParaRPr lang="en-GB"/>
+        </a:p>
+      </dgm:t>
+    </dgm:pt>
+    <dgm:pt modelId="{9D9C7B1B-39C3-4B39-AE7B-50F3DBC8DFCC}" type="sibTrans" cxnId="{5D54E3A6-5669-472A-A6FD-95935160314D}">
+      <dgm:prSet/>
+      <dgm:spPr/>
+      <dgm:t>
+        <a:bodyPr/>
+        <a:lstStyle/>
+        <a:p>
+          <a:endParaRPr lang="en-GB"/>
         </a:p>
       </dgm:t>
     </dgm:pt>
@@ -2917,7 +2983,7 @@
       <dgm:spPr/>
     </dgm:pt>
     <dgm:pt modelId="{8804594E-6019-4C67-B65E-0A2A1618B095}" type="pres">
-      <dgm:prSet presAssocID="{081EC39D-5862-47DE-A4B7-FC4EC9878DFA}" presName="desTx" presStyleLbl="revTx" presStyleIdx="1" presStyleCnt="6">
+      <dgm:prSet presAssocID="{081EC39D-5862-47DE-A4B7-FC4EC9878DFA}" presName="desTx" presStyleLbl="revTx" presStyleIdx="1" presStyleCnt="6" custLinFactNeighborX="3231" custLinFactNeighborY="-27320">
         <dgm:presLayoutVars/>
       </dgm:prSet>
       <dgm:spPr/>
@@ -3038,15 +3104,17 @@
     </dgm:pt>
   </dgm:ptLst>
   <dgm:cxnLst>
-    <dgm:cxn modelId="{4C3C080A-88EA-4DD6-8FC1-0AC6E9D285DC}" srcId="{081EC39D-5862-47DE-A4B7-FC4EC9878DFA}" destId="{D2DA8455-7FED-4E35-AEA0-D8668EB30F1E}" srcOrd="1" destOrd="0" parTransId="{B36BC9E7-11DF-4DE2-B296-FED312CFB111}" sibTransId="{B789277D-E804-4C58-80FB-1AAB6ACEA195}"/>
+    <dgm:cxn modelId="{4C3C080A-88EA-4DD6-8FC1-0AC6E9D285DC}" srcId="{081EC39D-5862-47DE-A4B7-FC4EC9878DFA}" destId="{D2DA8455-7FED-4E35-AEA0-D8668EB30F1E}" srcOrd="2" destOrd="0" parTransId="{B36BC9E7-11DF-4DE2-B296-FED312CFB111}" sibTransId="{B789277D-E804-4C58-80FB-1AAB6ACEA195}"/>
     <dgm:cxn modelId="{B5F8451D-3F4F-460A-A073-F9DB5B8499D8}" type="presOf" srcId="{D22A2817-895B-4F12-BCAC-5D63D91B296E}" destId="{8804594E-6019-4C67-B65E-0A2A1618B095}" srcOrd="0" destOrd="0" presId="urn:microsoft.com/office/officeart/2018/5/layout/CenteredIconLabelDescriptionList"/>
     <dgm:cxn modelId="{5CF33238-9FA5-48C4-B14B-C33A7D11882D}" srcId="{53F13950-ED05-4467-BE5E-919447712035}" destId="{6B809C1E-A626-425F-BC88-A424577D85A8}" srcOrd="1" destOrd="0" parTransId="{208906F7-4017-4089-B88A-0DE4D1D482D4}" sibTransId="{08EDB067-E14F-442F-94E0-C7B866D8F343}"/>
     <dgm:cxn modelId="{349C9E5B-5A91-4E5C-B749-D5F824613777}" type="presOf" srcId="{6B809C1E-A626-425F-BC88-A424577D85A8}" destId="{6E5B2455-1B1D-4A50-A288-F0C7F1D8D47C}" srcOrd="0" destOrd="0" presId="urn:microsoft.com/office/officeart/2018/5/layout/CenteredIconLabelDescriptionList"/>
     <dgm:cxn modelId="{CC887760-BBFA-4041-95CB-E631269980BA}" type="presOf" srcId="{53F13950-ED05-4467-BE5E-919447712035}" destId="{7B5A217A-0D78-48D0-8298-98BF4F5A7D36}" srcOrd="0" destOrd="0" presId="urn:microsoft.com/office/officeart/2018/5/layout/CenteredIconLabelDescriptionList"/>
     <dgm:cxn modelId="{EAB9C374-1B49-49F8-9B98-A1A5649D123B}" srcId="{081EC39D-5862-47DE-A4B7-FC4EC9878DFA}" destId="{D22A2817-895B-4F12-BCAC-5D63D91B296E}" srcOrd="0" destOrd="0" parTransId="{38969B93-7CBA-43F3-99F4-ABCA8A606D0A}" sibTransId="{CC04FCC2-B597-4B80-80E5-410E38B53CCA}"/>
-    <dgm:cxn modelId="{DD2AE974-829A-493D-A656-AB6A54FABAFE}" srcId="{081EC39D-5862-47DE-A4B7-FC4EC9878DFA}" destId="{63EE66DA-793A-4CFD-8EE0-9225937711AC}" srcOrd="2" destOrd="0" parTransId="{6B9EEE5D-FAFC-40BD-B7D6-7517CF981C4F}" sibTransId="{B9E54922-3BB4-4740-A91C-80AA28829817}"/>
-    <dgm:cxn modelId="{C8DFD98D-CA34-4815-B9BE-DC7423532F8A}" type="presOf" srcId="{D2DA8455-7FED-4E35-AEA0-D8668EB30F1E}" destId="{8804594E-6019-4C67-B65E-0A2A1618B095}" srcOrd="0" destOrd="1" presId="urn:microsoft.com/office/officeart/2018/5/layout/CenteredIconLabelDescriptionList"/>
-    <dgm:cxn modelId="{BDAEEBB2-16C1-4148-9F6C-F66145DDC1E6}" type="presOf" srcId="{63EE66DA-793A-4CFD-8EE0-9225937711AC}" destId="{8804594E-6019-4C67-B65E-0A2A1618B095}" srcOrd="0" destOrd="2" presId="urn:microsoft.com/office/officeart/2018/5/layout/CenteredIconLabelDescriptionList"/>
+    <dgm:cxn modelId="{DD2AE974-829A-493D-A656-AB6A54FABAFE}" srcId="{081EC39D-5862-47DE-A4B7-FC4EC9878DFA}" destId="{63EE66DA-793A-4CFD-8EE0-9225937711AC}" srcOrd="3" destOrd="0" parTransId="{6B9EEE5D-FAFC-40BD-B7D6-7517CF981C4F}" sibTransId="{B9E54922-3BB4-4740-A91C-80AA28829817}"/>
+    <dgm:cxn modelId="{330BBC7E-C4C2-43B9-B1A5-06EC4465A5A6}" type="presOf" srcId="{45397456-13E1-4A1E-AAC2-694AF40C90DF}" destId="{8804594E-6019-4C67-B65E-0A2A1618B095}" srcOrd="0" destOrd="1" presId="urn:microsoft.com/office/officeart/2018/5/layout/CenteredIconLabelDescriptionList"/>
+    <dgm:cxn modelId="{C8DFD98D-CA34-4815-B9BE-DC7423532F8A}" type="presOf" srcId="{D2DA8455-7FED-4E35-AEA0-D8668EB30F1E}" destId="{8804594E-6019-4C67-B65E-0A2A1618B095}" srcOrd="0" destOrd="2" presId="urn:microsoft.com/office/officeart/2018/5/layout/CenteredIconLabelDescriptionList"/>
+    <dgm:cxn modelId="{5D54E3A6-5669-472A-A6FD-95935160314D}" srcId="{081EC39D-5862-47DE-A4B7-FC4EC9878DFA}" destId="{45397456-13E1-4A1E-AAC2-694AF40C90DF}" srcOrd="1" destOrd="0" parTransId="{37C3B847-2A8E-473A-879B-FCE3B8BEEAF9}" sibTransId="{9D9C7B1B-39C3-4B39-AE7B-50F3DBC8DFCC}"/>
+    <dgm:cxn modelId="{BDAEEBB2-16C1-4148-9F6C-F66145DDC1E6}" type="presOf" srcId="{63EE66DA-793A-4CFD-8EE0-9225937711AC}" destId="{8804594E-6019-4C67-B65E-0A2A1618B095}" srcOrd="0" destOrd="3" presId="urn:microsoft.com/office/officeart/2018/5/layout/CenteredIconLabelDescriptionList"/>
     <dgm:cxn modelId="{65DE09CB-DA89-4F5D-B7D8-70C465F8F40A}" srcId="{53F13950-ED05-4467-BE5E-919447712035}" destId="{9873BBC4-5589-4972-87CB-D212A90299EC}" srcOrd="2" destOrd="0" parTransId="{1957763D-0A20-45D8-B78C-062282A3255A}" sibTransId="{939164C1-46B3-4539-BB79-7461E66307F2}"/>
     <dgm:cxn modelId="{47A3B2E8-9D81-4EBA-A673-4E572726A190}" type="presOf" srcId="{9873BBC4-5589-4972-87CB-D212A90299EC}" destId="{2D194BC5-EE5C-42E0-98C7-F3FF48354340}" srcOrd="0" destOrd="0" presId="urn:microsoft.com/office/officeart/2018/5/layout/CenteredIconLabelDescriptionList"/>
     <dgm:cxn modelId="{6AC74FE9-EB04-4BBA-A6A3-81AE2E5DBE00}" type="presOf" srcId="{081EC39D-5862-47DE-A4B7-FC4EC9878DFA}" destId="{830A8EC8-039F-4E15-BE6C-728F7C7168CC}" srcOrd="0" destOrd="0" presId="urn:microsoft.com/office/officeart/2018/5/layout/CenteredIconLabelDescriptionList"/>
@@ -3231,7 +3299,7 @@
             <a:buNone/>
           </a:pPr>
           <a:r>
-            <a:rPr lang="en-GB" sz="1900" kern="1200" dirty="0"/>
+            <a:rPr lang="en-GB" sz="1900" kern="1200"/>
             <a:t>Purpose of the thesis</a:t>
           </a:r>
           <a:endParaRPr lang="en-US" sz="1900" kern="1200" dirty="0"/>
@@ -3383,7 +3451,7 @@
             <a:buNone/>
           </a:pPr>
           <a:r>
-            <a:rPr lang="en-GB" sz="1900" kern="1200" dirty="0"/>
+            <a:rPr lang="en-GB" sz="1900" kern="1200"/>
             <a:t>Architecture overview</a:t>
           </a:r>
           <a:endParaRPr lang="en-US" sz="1900" kern="1200" dirty="0"/>
@@ -3535,7 +3603,7 @@
             <a:buNone/>
           </a:pPr>
           <a:r>
-            <a:rPr lang="en-GB" sz="1900" kern="1200" dirty="0"/>
+            <a:rPr lang="en-GB" sz="1900" kern="1200"/>
             <a:t>Design of the node</a:t>
           </a:r>
           <a:endParaRPr lang="en-US" sz="1900" kern="1200" dirty="0"/>
@@ -3687,7 +3755,7 @@
             <a:buNone/>
           </a:pPr>
           <a:r>
-            <a:rPr lang="en-GB" sz="1900" kern="1200" dirty="0"/>
+            <a:rPr lang="en-GB" sz="1900" kern="1200"/>
             <a:t>Securing the solution</a:t>
           </a:r>
           <a:endParaRPr lang="en-US" sz="1900" kern="1200" dirty="0"/>
@@ -3839,7 +3907,7 @@
             <a:buNone/>
           </a:pPr>
           <a:r>
-            <a:rPr lang="en-GB" sz="1900" kern="1200" dirty="0"/>
+            <a:rPr lang="en-GB" sz="1900" kern="1200"/>
             <a:t>Neural Network Used</a:t>
           </a:r>
           <a:endParaRPr lang="en-US" sz="1900" kern="1200" dirty="0"/>
@@ -3991,7 +4059,7 @@
             <a:buNone/>
           </a:pPr>
           <a:r>
-            <a:rPr lang="en-GB" sz="1900" kern="1200" dirty="0"/>
+            <a:rPr lang="en-GB" sz="1900" kern="1200"/>
             <a:t>Conclusion</a:t>
           </a:r>
           <a:endParaRPr lang="en-US" sz="1900" kern="1200" dirty="0"/>
@@ -4021,7 +4089,7 @@
       </dsp:nvSpPr>
       <dsp:spPr>
         <a:xfrm>
-          <a:off x="1000041" y="230003"/>
+          <a:off x="1000041" y="34218"/>
           <a:ext cx="1070937" cy="1070937"/>
         </a:xfrm>
         <a:prstGeom prst="rect">
@@ -4071,8 +4139,8 @@
       </dsp:nvSpPr>
       <dsp:spPr>
         <a:xfrm>
-          <a:off x="5599" y="1414793"/>
-          <a:ext cx="3059821" cy="559373"/>
+          <a:off x="5599" y="1235846"/>
+          <a:ext cx="3059821" cy="631088"/>
         </a:xfrm>
         <a:prstGeom prst="rect">
           <a:avLst/>
@@ -4103,7 +4171,7 @@
         <a:p>
           <a:pPr marL="0" lvl="0" indent="0" algn="ctr" defTabSz="622300">
             <a:lnSpc>
-              <a:spcPct val="90000"/>
+              <a:spcPct val="100000"/>
             </a:lnSpc>
             <a:spcBef>
               <a:spcPct val="0"/>
@@ -4122,8 +4190,8 @@
         </a:p>
       </dsp:txBody>
       <dsp:txXfrm>
-        <a:off x="5599" y="1414793"/>
-        <a:ext cx="3059821" cy="559373"/>
+        <a:off x="5599" y="1235846"/>
+        <a:ext cx="3059821" cy="631088"/>
       </dsp:txXfrm>
     </dsp:sp>
     <dsp:sp modelId="{8804594E-6019-4C67-B65E-0A2A1618B095}">
@@ -4133,8 +4201,8 @@
       </dsp:nvSpPr>
       <dsp:spPr>
         <a:xfrm>
-          <a:off x="5599" y="2027122"/>
-          <a:ext cx="3059821" cy="850622"/>
+          <a:off x="104461" y="1614685"/>
+          <a:ext cx="3059821" cy="1145808"/>
         </a:xfrm>
         <a:prstGeom prst="rect">
           <a:avLst/>
@@ -4165,7 +4233,7 @@
         <a:p>
           <a:pPr marL="0" lvl="0" indent="0" algn="ctr" defTabSz="488950">
             <a:lnSpc>
-              <a:spcPct val="90000"/>
+              <a:spcPct val="100000"/>
             </a:lnSpc>
             <a:spcBef>
               <a:spcPct val="0"/>
@@ -4176,15 +4244,14 @@
             <a:buNone/>
           </a:pPr>
           <a:r>
-            <a:rPr lang="en-GB" sz="1100" kern="1200"/>
+            <a:rPr lang="en-GB" sz="1100" kern="1200" dirty="0"/>
             <a:t>Device is provisioned with key pair signed by CA</a:t>
           </a:r>
-          <a:endParaRPr lang="en-US" sz="1100" kern="1200"/>
         </a:p>
         <a:p>
           <a:pPr marL="0" lvl="0" indent="0" algn="ctr" defTabSz="488950">
             <a:lnSpc>
-              <a:spcPct val="90000"/>
+              <a:spcPct val="100000"/>
             </a:lnSpc>
             <a:spcBef>
               <a:spcPct val="0"/>
@@ -4195,15 +4262,15 @@
             <a:buNone/>
           </a:pPr>
           <a:r>
-            <a:rPr lang="en-GB" sz="1100" kern="1200"/>
-            <a:t>Elliptic Curve Ephemeral Diffie Hellman is used for generating  a session key to be used in TLS-PSK</a:t>
+            <a:rPr lang="en-GB" sz="1100" kern="1200" dirty="0"/>
+            <a:t>Mutual verification is performed at attestation time</a:t>
           </a:r>
-          <a:endParaRPr lang="en-US" sz="1100" kern="1200"/>
+          <a:endParaRPr lang="en-US" sz="1100" kern="1200" dirty="0"/>
         </a:p>
         <a:p>
           <a:pPr marL="0" lvl="0" indent="0" algn="ctr" defTabSz="488950">
             <a:lnSpc>
-              <a:spcPct val="90000"/>
+              <a:spcPct val="100000"/>
             </a:lnSpc>
             <a:spcBef>
               <a:spcPct val="0"/>
@@ -4214,15 +4281,34 @@
             <a:buNone/>
           </a:pPr>
           <a:r>
-            <a:rPr lang="en-GB" sz="1100" kern="1200"/>
+            <a:rPr lang="en-GB" sz="1100" kern="1200" dirty="0"/>
+            <a:t>Elliptic Curve Ephemeral Diffie Hellman is used for generating  a session key to be used in TLS-PSK</a:t>
+          </a:r>
+          <a:endParaRPr lang="en-US" sz="1100" kern="1200" dirty="0"/>
+        </a:p>
+        <a:p>
+          <a:pPr marL="0" lvl="0" indent="0" algn="ctr" defTabSz="488950">
+            <a:lnSpc>
+              <a:spcPct val="100000"/>
+            </a:lnSpc>
+            <a:spcBef>
+              <a:spcPct val="0"/>
+            </a:spcBef>
+            <a:spcAft>
+              <a:spcPct val="35000"/>
+            </a:spcAft>
+            <a:buNone/>
+          </a:pPr>
+          <a:r>
+            <a:rPr lang="en-GB" sz="1100" kern="1200" dirty="0"/>
             <a:t>The device identifier is sent encrypted with the session key as a last step of the attestation</a:t>
           </a:r>
-          <a:endParaRPr lang="en-US" sz="1100" kern="1200"/>
+          <a:endParaRPr lang="en-US" sz="1100" kern="1200" dirty="0"/>
         </a:p>
       </dsp:txBody>
       <dsp:txXfrm>
-        <a:off x="5599" y="2027122"/>
-        <a:ext cx="3059821" cy="850622"/>
+        <a:off x="104461" y="1614685"/>
+        <a:ext cx="3059821" cy="1145808"/>
       </dsp:txXfrm>
     </dsp:sp>
     <dsp:sp modelId="{AC228BBC-ACB0-48B9-941F-9F2BBDAB8B54}">
@@ -4232,7 +4318,7 @@
       </dsp:nvSpPr>
       <dsp:spPr>
         <a:xfrm>
-          <a:off x="4595331" y="230003"/>
+          <a:off x="4595331" y="34218"/>
           <a:ext cx="1070937" cy="1070937"/>
         </a:xfrm>
         <a:prstGeom prst="rect">
@@ -4279,8 +4365,8 @@
       </dsp:nvSpPr>
       <dsp:spPr>
         <a:xfrm>
-          <a:off x="3600889" y="1414793"/>
-          <a:ext cx="3059821" cy="559373"/>
+          <a:off x="3600889" y="1235846"/>
+          <a:ext cx="3059821" cy="631088"/>
         </a:xfrm>
         <a:prstGeom prst="rect">
           <a:avLst/>
@@ -4311,7 +4397,7 @@
         <a:p>
           <a:pPr marL="0" lvl="0" indent="0" algn="ctr" defTabSz="622300">
             <a:lnSpc>
-              <a:spcPct val="90000"/>
+              <a:spcPct val="100000"/>
             </a:lnSpc>
             <a:spcBef>
               <a:spcPct val="0"/>
@@ -4330,8 +4416,8 @@
         </a:p>
       </dsp:txBody>
       <dsp:txXfrm>
-        <a:off x="3600889" y="1414793"/>
-        <a:ext cx="3059821" cy="559373"/>
+        <a:off x="3600889" y="1235846"/>
+        <a:ext cx="3059821" cy="631088"/>
       </dsp:txXfrm>
     </dsp:sp>
     <dsp:sp modelId="{6AAA4A18-C40D-45E4-8E9F-19CDA31C905D}">
@@ -4341,8 +4427,8 @@
       </dsp:nvSpPr>
       <dsp:spPr>
         <a:xfrm>
-          <a:off x="3600889" y="2027122"/>
-          <a:ext cx="3059821" cy="850622"/>
+          <a:off x="3600889" y="1927720"/>
+          <a:ext cx="3059821" cy="1145808"/>
         </a:xfrm>
         <a:prstGeom prst="rect">
           <a:avLst/>
@@ -4373,7 +4459,7 @@
       </dsp:nvSpPr>
       <dsp:spPr>
         <a:xfrm>
-          <a:off x="8190621" y="230003"/>
+          <a:off x="8190621" y="34218"/>
           <a:ext cx="1070937" cy="1070937"/>
         </a:xfrm>
         <a:prstGeom prst="rect">
@@ -4420,8 +4506,8 @@
       </dsp:nvSpPr>
       <dsp:spPr>
         <a:xfrm>
-          <a:off x="7196179" y="1414793"/>
-          <a:ext cx="3059821" cy="559373"/>
+          <a:off x="7196179" y="1235846"/>
+          <a:ext cx="3059821" cy="631088"/>
         </a:xfrm>
         <a:prstGeom prst="rect">
           <a:avLst/>
@@ -4452,7 +4538,7 @@
         <a:p>
           <a:pPr marL="0" lvl="0" indent="0" algn="ctr" defTabSz="622300">
             <a:lnSpc>
-              <a:spcPct val="90000"/>
+              <a:spcPct val="100000"/>
             </a:lnSpc>
             <a:spcBef>
               <a:spcPct val="0"/>
@@ -4471,8 +4557,8 @@
         </a:p>
       </dsp:txBody>
       <dsp:txXfrm>
-        <a:off x="7196179" y="1414793"/>
-        <a:ext cx="3059821" cy="559373"/>
+        <a:off x="7196179" y="1235846"/>
+        <a:ext cx="3059821" cy="631088"/>
       </dsp:txXfrm>
     </dsp:sp>
     <dsp:sp modelId="{CE9427D8-5088-46DF-8FFB-C93DB767833F}">
@@ -4482,8 +4568,8 @@
       </dsp:nvSpPr>
       <dsp:spPr>
         <a:xfrm>
-          <a:off x="7196179" y="2027122"/>
-          <a:ext cx="3059821" cy="850622"/>
+          <a:off x="7196179" y="1927720"/>
+          <a:ext cx="3059821" cy="1145808"/>
         </a:xfrm>
         <a:prstGeom prst="rect">
           <a:avLst/>
@@ -7237,7 +7323,7 @@
           <a:p>
             <a:fld id="{AE49042B-6591-4073-B9F8-DC8614200340}" type="datetimeFigureOut">
               <a:rPr lang="en-GB" smtClean="0"/>
-              <a:t>27/05/2022</a:t>
+              <a:t>05/07/2022</a:t>
             </a:fld>
             <a:endParaRPr lang="en-GB" dirty="0"/>
           </a:p>
@@ -7407,7 +7493,7 @@
           <a:p>
             <a:fld id="{AE49042B-6591-4073-B9F8-DC8614200340}" type="datetimeFigureOut">
               <a:rPr lang="en-GB" smtClean="0"/>
-              <a:t>27/05/2022</a:t>
+              <a:t>05/07/2022</a:t>
             </a:fld>
             <a:endParaRPr lang="en-GB" dirty="0"/>
           </a:p>
@@ -7587,7 +7673,7 @@
           <a:p>
             <a:fld id="{AE49042B-6591-4073-B9F8-DC8614200340}" type="datetimeFigureOut">
               <a:rPr lang="en-GB" smtClean="0"/>
-              <a:t>27/05/2022</a:t>
+              <a:t>05/07/2022</a:t>
             </a:fld>
             <a:endParaRPr lang="en-GB" dirty="0"/>
           </a:p>
@@ -7757,7 +7843,7 @@
           <a:p>
             <a:fld id="{AE49042B-6591-4073-B9F8-DC8614200340}" type="datetimeFigureOut">
               <a:rPr lang="en-GB" smtClean="0"/>
-              <a:t>27/05/2022</a:t>
+              <a:t>05/07/2022</a:t>
             </a:fld>
             <a:endParaRPr lang="en-GB" dirty="0"/>
           </a:p>
@@ -8025,7 +8111,7 @@
           <a:p>
             <a:fld id="{AE49042B-6591-4073-B9F8-DC8614200340}" type="datetimeFigureOut">
               <a:rPr lang="en-GB" smtClean="0"/>
-              <a:t>27/05/2022</a:t>
+              <a:t>05/07/2022</a:t>
             </a:fld>
             <a:endParaRPr lang="en-GB" dirty="0"/>
           </a:p>
@@ -8257,7 +8343,7 @@
           <a:p>
             <a:fld id="{AE49042B-6591-4073-B9F8-DC8614200340}" type="datetimeFigureOut">
               <a:rPr lang="en-GB" smtClean="0"/>
-              <a:t>27/05/2022</a:t>
+              <a:t>05/07/2022</a:t>
             </a:fld>
             <a:endParaRPr lang="en-GB" dirty="0"/>
           </a:p>
@@ -8616,7 +8702,7 @@
           <a:p>
             <a:fld id="{AE49042B-6591-4073-B9F8-DC8614200340}" type="datetimeFigureOut">
               <a:rPr lang="en-GB" smtClean="0"/>
-              <a:t>27/05/2022</a:t>
+              <a:t>05/07/2022</a:t>
             </a:fld>
             <a:endParaRPr lang="en-GB" dirty="0"/>
           </a:p>
@@ -8757,7 +8843,7 @@
           <a:p>
             <a:fld id="{AE49042B-6591-4073-B9F8-DC8614200340}" type="datetimeFigureOut">
               <a:rPr lang="en-GB" smtClean="0"/>
-              <a:t>27/05/2022</a:t>
+              <a:t>05/07/2022</a:t>
             </a:fld>
             <a:endParaRPr lang="en-GB" dirty="0"/>
           </a:p>
@@ -8852,7 +8938,7 @@
           <a:p>
             <a:fld id="{AE49042B-6591-4073-B9F8-DC8614200340}" type="datetimeFigureOut">
               <a:rPr lang="en-GB" smtClean="0"/>
-              <a:t>27/05/2022</a:t>
+              <a:t>05/07/2022</a:t>
             </a:fld>
             <a:endParaRPr lang="en-GB" dirty="0"/>
           </a:p>
@@ -9209,7 +9295,7 @@
           <a:p>
             <a:fld id="{AE49042B-6591-4073-B9F8-DC8614200340}" type="datetimeFigureOut">
               <a:rPr lang="en-GB" smtClean="0"/>
-              <a:t>27/05/2022</a:t>
+              <a:t>05/07/2022</a:t>
             </a:fld>
             <a:endParaRPr lang="en-GB" dirty="0"/>
           </a:p>
@@ -9565,7 +9651,7 @@
           <a:p>
             <a:fld id="{AE49042B-6591-4073-B9F8-DC8614200340}" type="datetimeFigureOut">
               <a:rPr lang="en-GB" smtClean="0"/>
-              <a:t>27/05/2022</a:t>
+              <a:t>05/07/2022</a:t>
             </a:fld>
             <a:endParaRPr lang="en-GB" dirty="0"/>
           </a:p>
@@ -9807,7 +9893,7 @@
           <a:p>
             <a:fld id="{AE49042B-6591-4073-B9F8-DC8614200340}" type="datetimeFigureOut">
               <a:rPr lang="en-GB" smtClean="0"/>
-              <a:t>27/05/2022</a:t>
+              <a:t>05/07/2022</a:t>
             </a:fld>
             <a:endParaRPr lang="en-GB" dirty="0"/>
           </a:p>
@@ -10300,6 +10386,106 @@
 </p:sld>
 </file>
 
+<file path=ppt/slides/slide10.xml><?xml version="1.0" encoding="utf-8"?>
+<p:sld xmlns:a="http://schemas.openxmlformats.org/drawingml/2006/main" xmlns:r="http://schemas.openxmlformats.org/officeDocument/2006/relationships" xmlns:p="http://schemas.openxmlformats.org/presentationml/2006/main">
+  <p:cSld>
+    <p:bg>
+      <p:bgPr>
+        <a:solidFill>
+          <a:schemeClr val="bg1">
+            <a:lumMod val="95000"/>
+          </a:schemeClr>
+        </a:solidFill>
+        <a:effectLst/>
+      </p:bgPr>
+    </p:bg>
+    <p:spTree>
+      <p:nvGrpSpPr>
+        <p:cNvPr id="1" name=""/>
+        <p:cNvGrpSpPr/>
+        <p:nvPr/>
+      </p:nvGrpSpPr>
+      <p:grpSpPr>
+        <a:xfrm>
+          <a:off x="0" y="0"/>
+          <a:ext cx="0" cy="0"/>
+          <a:chOff x="0" y="0"/>
+          <a:chExt cx="0" cy="0"/>
+        </a:xfrm>
+      </p:grpSpPr>
+      <p:sp>
+        <p:nvSpPr>
+          <p:cNvPr id="2" name="Title 1">
+            <a:extLst>
+              <a:ext uri="{FF2B5EF4-FFF2-40B4-BE49-F238E27FC236}">
+                <a16:creationId xmlns:a16="http://schemas.microsoft.com/office/drawing/2014/main" id="{66E0783E-AECB-0C8A-10D2-CDE90CA51038}"/>
+              </a:ext>
+            </a:extLst>
+          </p:cNvPr>
+          <p:cNvSpPr>
+            <a:spLocks noGrp="1"/>
+          </p:cNvSpPr>
+          <p:nvPr>
+            <p:ph type="title"/>
+          </p:nvPr>
+        </p:nvSpPr>
+        <p:spPr>
+          <a:xfrm>
+            <a:off x="2231136" y="964692"/>
+            <a:ext cx="7729728" cy="1188720"/>
+          </a:xfrm>
+        </p:spPr>
+        <p:txBody>
+          <a:bodyPr>
+            <a:normAutofit/>
+          </a:bodyPr>
+          <a:lstStyle/>
+          <a:p>
+            <a:r>
+              <a:rPr lang="en-GB" dirty="0"/>
+              <a:t>SECURITY SOLUTION OVERVIEW</a:t>
+            </a:r>
+          </a:p>
+        </p:txBody>
+      </p:sp>
+      <p:sp>
+        <p:nvSpPr>
+          <p:cNvPr id="4" name="Content Placeholder 3">
+            <a:extLst>
+              <a:ext uri="{FF2B5EF4-FFF2-40B4-BE49-F238E27FC236}">
+                <a16:creationId xmlns:a16="http://schemas.microsoft.com/office/drawing/2014/main" id="{4930614B-A7CC-FCAD-16B7-FACD4A701A49}"/>
+              </a:ext>
+            </a:extLst>
+          </p:cNvPr>
+          <p:cNvSpPr>
+            <a:spLocks noGrp="1"/>
+          </p:cNvSpPr>
+          <p:nvPr>
+            <p:ph idx="1"/>
+          </p:nvPr>
+        </p:nvSpPr>
+        <p:spPr/>
+        <p:txBody>
+          <a:bodyPr/>
+          <a:lstStyle/>
+          <a:p>
+            <a:endParaRPr lang="en-GB" dirty="0"/>
+          </a:p>
+        </p:txBody>
+      </p:sp>
+    </p:spTree>
+    <p:extLst>
+      <p:ext uri="{BB962C8B-B14F-4D97-AF65-F5344CB8AC3E}">
+        <p14:creationId xmlns:p14="http://schemas.microsoft.com/office/powerpoint/2010/main" val="1084362751"/>
+      </p:ext>
+    </p:extLst>
+  </p:cSld>
+  <p:clrMapOvr>
+    <a:masterClrMapping/>
+  </p:clrMapOvr>
+</p:sld>
+</file>
+
 <file path=ppt/slides/slide2.xml><?xml version="1.0" encoding="utf-8"?>
 <p:sld xmlns:a="http://schemas.openxmlformats.org/drawingml/2006/main" xmlns:r="http://schemas.openxmlformats.org/officeDocument/2006/relationships" xmlns:p="http://schemas.openxmlformats.org/presentationml/2006/main">
   <p:cSld>
@@ -10483,13 +10669,18 @@
           <a:lstStyle/>
           <a:p>
             <a:r>
-              <a:rPr lang="en-GB" dirty="0">
+              <a:rPr lang="en-GB">
                 <a:solidFill>
                   <a:srgbClr val="FFFFFF"/>
                 </a:solidFill>
               </a:rPr>
               <a:t>Contents</a:t>
             </a:r>
+            <a:endParaRPr lang="en-GB" dirty="0">
+              <a:solidFill>
+                <a:srgbClr val="FFFFFF"/>
+              </a:solidFill>
+            </a:endParaRPr>
           </a:p>
         </p:txBody>
       </p:sp>
@@ -10509,7 +10700,7 @@
             <p:ph idx="1"/>
             <p:extLst>
               <p:ext uri="{D42A27DB-BD31-4B8C-83A1-F6EECF244321}">
-                <p14:modId xmlns:p14="http://schemas.microsoft.com/office/powerpoint/2010/main" val="3417398830"/>
+                <p14:modId xmlns:p14="http://schemas.microsoft.com/office/powerpoint/2010/main" val="1371520813"/>
               </p:ext>
             </p:extLst>
           </p:nvPr>
@@ -10990,7 +11181,7 @@
               <a:buChar char="-"/>
             </a:pPr>
             <a:r>
-              <a:rPr lang="en-GB" sz="1300"/>
+              <a:rPr lang="en-GB" sz="1300" dirty="0"/>
               <a:t>IoT node consisting of ESP32 with sensors attached</a:t>
             </a:r>
           </a:p>
@@ -11003,7 +11194,7 @@
               <a:buChar char="-"/>
             </a:pPr>
             <a:r>
-              <a:rPr lang="en-GB" sz="1300"/>
+              <a:rPr lang="en-GB" sz="1300" dirty="0"/>
               <a:t>Provisioned with own key pair signed by CA</a:t>
             </a:r>
           </a:p>
@@ -11015,7 +11206,7 @@
               <a:buNone/>
             </a:pPr>
             <a:r>
-              <a:rPr lang="en-GB" sz="1300"/>
+              <a:rPr lang="en-GB" sz="1300" dirty="0"/>
               <a:t>Cloud hosted Spring Boot microservices and MQTT Broker</a:t>
             </a:r>
           </a:p>
@@ -11028,7 +11219,7 @@
               <a:buChar char="-"/>
             </a:pPr>
             <a:r>
-              <a:rPr lang="en-GB" sz="1300"/>
+              <a:rPr lang="en-GB" sz="1300" dirty="0"/>
               <a:t>Attestation Server over unsecured transport</a:t>
             </a:r>
           </a:p>
@@ -11041,7 +11232,7 @@
               <a:buChar char="-"/>
             </a:pPr>
             <a:r>
-              <a:rPr lang="en-GB" sz="1300"/>
+              <a:rPr lang="en-GB" sz="1300" dirty="0"/>
               <a:t>Cloud Gateway over secured transport</a:t>
             </a:r>
           </a:p>
@@ -11054,7 +11245,7 @@
               <a:buChar char="-"/>
             </a:pPr>
             <a:r>
-              <a:rPr lang="en-GB" sz="1300"/>
+              <a:rPr lang="en-GB" sz="1300" dirty="0"/>
               <a:t>MQTT Broker that allows TLS over PSK or certificates</a:t>
             </a:r>
           </a:p>
@@ -11067,7 +11258,7 @@
               <a:buChar char="-"/>
             </a:pPr>
             <a:r>
-              <a:rPr lang="en-GB" sz="1300"/>
+              <a:rPr lang="en-GB" sz="1300" dirty="0"/>
               <a:t>Payload size is reduced using CBOR, and standardized according to IPSO Smart Object Guide</a:t>
             </a:r>
           </a:p>
@@ -11721,7 +11912,7 @@
             <p:ph idx="1"/>
             <p:extLst>
               <p:ext uri="{D42A27DB-BD31-4B8C-83A1-F6EECF244321}">
-                <p14:modId xmlns:p14="http://schemas.microsoft.com/office/powerpoint/2010/main" val="4127514234"/>
+                <p14:modId xmlns:p14="http://schemas.microsoft.com/office/powerpoint/2010/main" val="1287968509"/>
               </p:ext>
             </p:extLst>
           </p:nvPr>
